--- a/venn_diagrams_data_science.pptx
+++ b/venn_diagrams_data_science.pptx
@@ -106,6 +106,11 @@
       </a:defRPr>
     </a:lvl9pPr>
   </p:defaultTextStyle>
+  <p:extLst>
+    <p:ext uri="{EFAFB233-063F-42B5-8137-9DF3F51BA10A}">
+      <p15:sldGuideLst xmlns:p15="http://schemas.microsoft.com/office/powerpoint/2012/main"/>
+    </p:ext>
+  </p:extLst>
 </p:presentation>
 </file>
 
@@ -256,7 +261,7 @@
           <a:p>
             <a:fld id="{0F2BBD2C-E5FD-2143-B5EA-F15D91923F36}" type="datetimeFigureOut">
               <a:rPr lang="en-US" smtClean="0"/>
-              <a:t>2/27/18</a:t>
+              <a:t>2/28/18</a:t>
             </a:fld>
             <a:endParaRPr lang="en-US"/>
           </a:p>
@@ -454,7 +459,7 @@
           <a:p>
             <a:fld id="{0F2BBD2C-E5FD-2143-B5EA-F15D91923F36}" type="datetimeFigureOut">
               <a:rPr lang="en-US" smtClean="0"/>
-              <a:t>2/27/18</a:t>
+              <a:t>2/28/18</a:t>
             </a:fld>
             <a:endParaRPr lang="en-US"/>
           </a:p>
@@ -662,7 +667,7 @@
           <a:p>
             <a:fld id="{0F2BBD2C-E5FD-2143-B5EA-F15D91923F36}" type="datetimeFigureOut">
               <a:rPr lang="en-US" smtClean="0"/>
-              <a:t>2/27/18</a:t>
+              <a:t>2/28/18</a:t>
             </a:fld>
             <a:endParaRPr lang="en-US"/>
           </a:p>
@@ -860,7 +865,7 @@
           <a:p>
             <a:fld id="{0F2BBD2C-E5FD-2143-B5EA-F15D91923F36}" type="datetimeFigureOut">
               <a:rPr lang="en-US" smtClean="0"/>
-              <a:t>2/27/18</a:t>
+              <a:t>2/28/18</a:t>
             </a:fld>
             <a:endParaRPr lang="en-US"/>
           </a:p>
@@ -1135,7 +1140,7 @@
           <a:p>
             <a:fld id="{0F2BBD2C-E5FD-2143-B5EA-F15D91923F36}" type="datetimeFigureOut">
               <a:rPr lang="en-US" smtClean="0"/>
-              <a:t>2/27/18</a:t>
+              <a:t>2/28/18</a:t>
             </a:fld>
             <a:endParaRPr lang="en-US"/>
           </a:p>
@@ -1400,7 +1405,7 @@
           <a:p>
             <a:fld id="{0F2BBD2C-E5FD-2143-B5EA-F15D91923F36}" type="datetimeFigureOut">
               <a:rPr lang="en-US" smtClean="0"/>
-              <a:t>2/27/18</a:t>
+              <a:t>2/28/18</a:t>
             </a:fld>
             <a:endParaRPr lang="en-US"/>
           </a:p>
@@ -1812,7 +1817,7 @@
           <a:p>
             <a:fld id="{0F2BBD2C-E5FD-2143-B5EA-F15D91923F36}" type="datetimeFigureOut">
               <a:rPr lang="en-US" smtClean="0"/>
-              <a:t>2/27/18</a:t>
+              <a:t>2/28/18</a:t>
             </a:fld>
             <a:endParaRPr lang="en-US"/>
           </a:p>
@@ -1953,7 +1958,7 @@
           <a:p>
             <a:fld id="{0F2BBD2C-E5FD-2143-B5EA-F15D91923F36}" type="datetimeFigureOut">
               <a:rPr lang="en-US" smtClean="0"/>
-              <a:t>2/27/18</a:t>
+              <a:t>2/28/18</a:t>
             </a:fld>
             <a:endParaRPr lang="en-US"/>
           </a:p>
@@ -2066,7 +2071,7 @@
           <a:p>
             <a:fld id="{0F2BBD2C-E5FD-2143-B5EA-F15D91923F36}" type="datetimeFigureOut">
               <a:rPr lang="en-US" smtClean="0"/>
-              <a:t>2/27/18</a:t>
+              <a:t>2/28/18</a:t>
             </a:fld>
             <a:endParaRPr lang="en-US"/>
           </a:p>
@@ -2377,7 +2382,7 @@
           <a:p>
             <a:fld id="{0F2BBD2C-E5FD-2143-B5EA-F15D91923F36}" type="datetimeFigureOut">
               <a:rPr lang="en-US" smtClean="0"/>
-              <a:t>2/27/18</a:t>
+              <a:t>2/28/18</a:t>
             </a:fld>
             <a:endParaRPr lang="en-US"/>
           </a:p>
@@ -2665,7 +2670,7 @@
           <a:p>
             <a:fld id="{0F2BBD2C-E5FD-2143-B5EA-F15D91923F36}" type="datetimeFigureOut">
               <a:rPr lang="en-US" smtClean="0"/>
-              <a:t>2/27/18</a:t>
+              <a:t>2/28/18</a:t>
             </a:fld>
             <a:endParaRPr lang="en-US"/>
           </a:p>
@@ -2906,7 +2911,7 @@
           <a:p>
             <a:fld id="{0F2BBD2C-E5FD-2143-B5EA-F15D91923F36}" type="datetimeFigureOut">
               <a:rPr lang="en-US" smtClean="0"/>
-              <a:t>2/27/18</a:t>
+              <a:t>2/28/18</a:t>
             </a:fld>
             <a:endParaRPr lang="en-US"/>
           </a:p>
@@ -3516,7 +3521,7 @@
                 <a:rPr lang="en-US" dirty="0">
                   <a:latin typeface="Avenir Roman" panose="02000503020000020003" pitchFamily="2" charset="0"/>
                 </a:rPr>
-                <a:t>modeling</a:t>
+                <a:t>statistics</a:t>
               </a:r>
             </a:p>
           </p:txBody>
@@ -3829,7 +3834,7 @@
                 <a:rPr lang="en-US" dirty="0">
                   <a:latin typeface="Avenir Roman" panose="02000503020000020003" pitchFamily="2" charset="0"/>
                 </a:rPr>
-                <a:t>modeling</a:t>
+                <a:t>statistics</a:t>
               </a:r>
             </a:p>
           </p:txBody>
@@ -4183,7 +4188,7 @@
                 <a:rPr lang="en-US" dirty="0">
                   <a:latin typeface="Avenir Roman" panose="02000503020000020003" pitchFamily="2" charset="0"/>
                 </a:rPr>
-                <a:t>modeling</a:t>
+                <a:t>statistics</a:t>
               </a:r>
             </a:p>
           </p:txBody>

--- a/venn_diagrams_data_science.pptx
+++ b/venn_diagrams_data_science.pptx
@@ -8,6 +8,9 @@
     <p:sldId id="256" r:id="rId2"/>
     <p:sldId id="258" r:id="rId3"/>
     <p:sldId id="257" r:id="rId4"/>
+    <p:sldId id="264" r:id="rId5"/>
+    <p:sldId id="263" r:id="rId6"/>
+    <p:sldId id="265" r:id="rId7"/>
   </p:sldIdLst>
   <p:sldSz cx="12192000" cy="6858000"/>
   <p:notesSz cx="6858000" cy="9144000"/>
@@ -261,7 +264,7 @@
           <a:p>
             <a:fld id="{0F2BBD2C-E5FD-2143-B5EA-F15D91923F36}" type="datetimeFigureOut">
               <a:rPr lang="en-US" smtClean="0"/>
-              <a:t>2/28/18</a:t>
+              <a:t>3/1/18</a:t>
             </a:fld>
             <a:endParaRPr lang="en-US"/>
           </a:p>
@@ -459,7 +462,7 @@
           <a:p>
             <a:fld id="{0F2BBD2C-E5FD-2143-B5EA-F15D91923F36}" type="datetimeFigureOut">
               <a:rPr lang="en-US" smtClean="0"/>
-              <a:t>2/28/18</a:t>
+              <a:t>3/1/18</a:t>
             </a:fld>
             <a:endParaRPr lang="en-US"/>
           </a:p>
@@ -667,7 +670,7 @@
           <a:p>
             <a:fld id="{0F2BBD2C-E5FD-2143-B5EA-F15D91923F36}" type="datetimeFigureOut">
               <a:rPr lang="en-US" smtClean="0"/>
-              <a:t>2/28/18</a:t>
+              <a:t>3/1/18</a:t>
             </a:fld>
             <a:endParaRPr lang="en-US"/>
           </a:p>
@@ -865,7 +868,7 @@
           <a:p>
             <a:fld id="{0F2BBD2C-E5FD-2143-B5EA-F15D91923F36}" type="datetimeFigureOut">
               <a:rPr lang="en-US" smtClean="0"/>
-              <a:t>2/28/18</a:t>
+              <a:t>3/1/18</a:t>
             </a:fld>
             <a:endParaRPr lang="en-US"/>
           </a:p>
@@ -1140,7 +1143,7 @@
           <a:p>
             <a:fld id="{0F2BBD2C-E5FD-2143-B5EA-F15D91923F36}" type="datetimeFigureOut">
               <a:rPr lang="en-US" smtClean="0"/>
-              <a:t>2/28/18</a:t>
+              <a:t>3/1/18</a:t>
             </a:fld>
             <a:endParaRPr lang="en-US"/>
           </a:p>
@@ -1405,7 +1408,7 @@
           <a:p>
             <a:fld id="{0F2BBD2C-E5FD-2143-B5EA-F15D91923F36}" type="datetimeFigureOut">
               <a:rPr lang="en-US" smtClean="0"/>
-              <a:t>2/28/18</a:t>
+              <a:t>3/1/18</a:t>
             </a:fld>
             <a:endParaRPr lang="en-US"/>
           </a:p>
@@ -1817,7 +1820,7 @@
           <a:p>
             <a:fld id="{0F2BBD2C-E5FD-2143-B5EA-F15D91923F36}" type="datetimeFigureOut">
               <a:rPr lang="en-US" smtClean="0"/>
-              <a:t>2/28/18</a:t>
+              <a:t>3/1/18</a:t>
             </a:fld>
             <a:endParaRPr lang="en-US"/>
           </a:p>
@@ -1958,7 +1961,7 @@
           <a:p>
             <a:fld id="{0F2BBD2C-E5FD-2143-B5EA-F15D91923F36}" type="datetimeFigureOut">
               <a:rPr lang="en-US" smtClean="0"/>
-              <a:t>2/28/18</a:t>
+              <a:t>3/1/18</a:t>
             </a:fld>
             <a:endParaRPr lang="en-US"/>
           </a:p>
@@ -2071,7 +2074,7 @@
           <a:p>
             <a:fld id="{0F2BBD2C-E5FD-2143-B5EA-F15D91923F36}" type="datetimeFigureOut">
               <a:rPr lang="en-US" smtClean="0"/>
-              <a:t>2/28/18</a:t>
+              <a:t>3/1/18</a:t>
             </a:fld>
             <a:endParaRPr lang="en-US"/>
           </a:p>
@@ -2382,7 +2385,7 @@
           <a:p>
             <a:fld id="{0F2BBD2C-E5FD-2143-B5EA-F15D91923F36}" type="datetimeFigureOut">
               <a:rPr lang="en-US" smtClean="0"/>
-              <a:t>2/28/18</a:t>
+              <a:t>3/1/18</a:t>
             </a:fld>
             <a:endParaRPr lang="en-US"/>
           </a:p>
@@ -2670,7 +2673,7 @@
           <a:p>
             <a:fld id="{0F2BBD2C-E5FD-2143-B5EA-F15D91923F36}" type="datetimeFigureOut">
               <a:rPr lang="en-US" smtClean="0"/>
-              <a:t>2/28/18</a:t>
+              <a:t>3/1/18</a:t>
             </a:fld>
             <a:endParaRPr lang="en-US"/>
           </a:p>
@@ -2911,7 +2914,7 @@
           <a:p>
             <a:fld id="{0F2BBD2C-E5FD-2143-B5EA-F15D91923F36}" type="datetimeFigureOut">
               <a:rPr lang="en-US" smtClean="0"/>
-              <a:t>2/28/18</a:t>
+              <a:t>3/1/18</a:t>
             </a:fld>
             <a:endParaRPr lang="en-US"/>
           </a:p>
@@ -3369,6 +3372,11 @@
               <a:avLst/>
             </a:prstGeom>
             <a:noFill/>
+            <a:ln>
+              <a:solidFill>
+                <a:srgbClr val="008080"/>
+              </a:solidFill>
+            </a:ln>
           </p:spPr>
           <p:style>
             <a:lnRef idx="2">
@@ -3416,6 +3424,11 @@
               <a:avLst/>
             </a:prstGeom>
             <a:noFill/>
+            <a:ln>
+              <a:solidFill>
+                <a:srgbClr val="008080"/>
+              </a:solidFill>
+            </a:ln>
           </p:spPr>
           <p:style>
             <a:lnRef idx="2">
@@ -3463,6 +3476,11 @@
               <a:avLst/>
             </a:prstGeom>
             <a:noFill/>
+            <a:ln>
+              <a:solidFill>
+                <a:srgbClr val="008080"/>
+              </a:solidFill>
+            </a:ln>
           </p:spPr>
           <p:style>
             <a:lnRef idx="2">
@@ -3682,6 +3700,11 @@
               <a:avLst/>
             </a:prstGeom>
             <a:noFill/>
+            <a:ln>
+              <a:solidFill>
+                <a:srgbClr val="008080"/>
+              </a:solidFill>
+            </a:ln>
           </p:spPr>
           <p:style>
             <a:lnRef idx="2">
@@ -3729,6 +3752,11 @@
               <a:avLst/>
             </a:prstGeom>
             <a:noFill/>
+            <a:ln>
+              <a:solidFill>
+                <a:srgbClr val="008080"/>
+              </a:solidFill>
+            </a:ln>
           </p:spPr>
           <p:style>
             <a:lnRef idx="2">
@@ -3776,6 +3804,11 @@
               <a:avLst/>
             </a:prstGeom>
             <a:noFill/>
+            <a:ln>
+              <a:solidFill>
+                <a:srgbClr val="008080"/>
+              </a:solidFill>
+            </a:ln>
           </p:spPr>
           <p:style>
             <a:lnRef idx="2">
@@ -4036,6 +4069,11 @@
               <a:avLst/>
             </a:prstGeom>
             <a:noFill/>
+            <a:ln>
+              <a:solidFill>
+                <a:srgbClr val="008080"/>
+              </a:solidFill>
+            </a:ln>
           </p:spPr>
           <p:style>
             <a:lnRef idx="2">
@@ -4083,6 +4121,11 @@
               <a:avLst/>
             </a:prstGeom>
             <a:noFill/>
+            <a:ln>
+              <a:solidFill>
+                <a:srgbClr val="008080"/>
+              </a:solidFill>
+            </a:ln>
           </p:spPr>
           <p:style>
             <a:lnRef idx="2">
@@ -4130,6 +4173,11 @@
               <a:avLst/>
             </a:prstGeom>
             <a:noFill/>
+            <a:ln>
+              <a:solidFill>
+                <a:srgbClr val="008080"/>
+              </a:solidFill>
+            </a:ln>
           </p:spPr>
           <p:style>
             <a:lnRef idx="2">
@@ -4323,6 +4371,2083 @@
     <p:extLst>
       <p:ext uri="{BB962C8B-B14F-4D97-AF65-F5344CB8AC3E}">
         <p14:creationId xmlns:p14="http://schemas.microsoft.com/office/powerpoint/2010/main" val="4153449317"/>
+      </p:ext>
+    </p:extLst>
+  </p:cSld>
+  <p:clrMapOvr>
+    <a:masterClrMapping/>
+  </p:clrMapOvr>
+</p:sld>
+</file>
+
+<file path=ppt/slides/slide4.xml><?xml version="1.0" encoding="utf-8"?>
+<p:sld xmlns:a="http://schemas.openxmlformats.org/drawingml/2006/main" xmlns:r="http://schemas.openxmlformats.org/officeDocument/2006/relationships" xmlns:p="http://schemas.openxmlformats.org/presentationml/2006/main">
+  <p:cSld>
+    <p:spTree>
+      <p:nvGrpSpPr>
+        <p:cNvPr id="1" name=""/>
+        <p:cNvGrpSpPr/>
+        <p:nvPr/>
+      </p:nvGrpSpPr>
+      <p:grpSpPr>
+        <a:xfrm>
+          <a:off x="0" y="0"/>
+          <a:ext cx="0" cy="0"/>
+          <a:chOff x="0" y="0"/>
+          <a:chExt cx="0" cy="0"/>
+        </a:xfrm>
+      </p:grpSpPr>
+      <p:grpSp>
+        <p:nvGrpSpPr>
+          <p:cNvPr id="16" name="Group 15">
+            <a:extLst>
+              <a:ext uri="{FF2B5EF4-FFF2-40B4-BE49-F238E27FC236}">
+                <a16:creationId xmlns:a16="http://schemas.microsoft.com/office/drawing/2014/main" id="{E89147DD-B5A7-B24C-B361-1A46838342B6}"/>
+              </a:ext>
+            </a:extLst>
+          </p:cNvPr>
+          <p:cNvGrpSpPr/>
+          <p:nvPr/>
+        </p:nvGrpSpPr>
+        <p:grpSpPr>
+          <a:xfrm>
+            <a:off x="972882" y="2090172"/>
+            <a:ext cx="10246236" cy="2677656"/>
+            <a:chOff x="1047309" y="2405720"/>
+            <a:chExt cx="10246236" cy="2677656"/>
+          </a:xfrm>
+        </p:grpSpPr>
+        <p:sp>
+          <p:nvSpPr>
+            <p:cNvPr id="4" name="TextBox 3">
+              <a:extLst>
+                <a:ext uri="{FF2B5EF4-FFF2-40B4-BE49-F238E27FC236}">
+                  <a16:creationId xmlns:a16="http://schemas.microsoft.com/office/drawing/2014/main" id="{AD148BAB-B6AA-C54D-A9D4-41189C739C0E}"/>
+                </a:ext>
+              </a:extLst>
+            </p:cNvPr>
+            <p:cNvSpPr txBox="1"/>
+            <p:nvPr/>
+          </p:nvSpPr>
+          <p:spPr>
+            <a:xfrm>
+              <a:off x="1047309" y="3019647"/>
+              <a:ext cx="2663454" cy="523220"/>
+            </a:xfrm>
+            <a:prstGeom prst="rect">
+              <a:avLst/>
+            </a:prstGeom>
+            <a:noFill/>
+          </p:spPr>
+          <p:txBody>
+            <a:bodyPr wrap="square" rtlCol="0">
+              <a:spAutoFit/>
+            </a:bodyPr>
+            <a:lstStyle/>
+            <a:p>
+              <a:r>
+                <a:rPr lang="en-US" sz="2800" dirty="0">
+                  <a:latin typeface="Avenir Roman" panose="02000503020000020003" pitchFamily="2" charset="0"/>
+                </a:rPr>
+                <a:t>Design</a:t>
+              </a:r>
+            </a:p>
+          </p:txBody>
+        </p:sp>
+        <p:sp>
+          <p:nvSpPr>
+            <p:cNvPr id="5" name="TextBox 4">
+              <a:extLst>
+                <a:ext uri="{FF2B5EF4-FFF2-40B4-BE49-F238E27FC236}">
+                  <a16:creationId xmlns:a16="http://schemas.microsoft.com/office/drawing/2014/main" id="{8448F206-B441-344E-B3B8-52161336C958}"/>
+                </a:ext>
+              </a:extLst>
+            </p:cNvPr>
+            <p:cNvSpPr txBox="1"/>
+            <p:nvPr/>
+          </p:nvSpPr>
+          <p:spPr>
+            <a:xfrm>
+              <a:off x="3450266" y="2405720"/>
+              <a:ext cx="1685260" cy="2677656"/>
+            </a:xfrm>
+            <a:prstGeom prst="rect">
+              <a:avLst/>
+            </a:prstGeom>
+            <a:noFill/>
+          </p:spPr>
+          <p:txBody>
+            <a:bodyPr wrap="square" rtlCol="0">
+              <a:spAutoFit/>
+            </a:bodyPr>
+            <a:lstStyle/>
+            <a:p>
+              <a:r>
+                <a:rPr lang="en-US" sz="2800" dirty="0">
+                  <a:latin typeface="Avenir Roman" panose="02000503020000020003" pitchFamily="2" charset="0"/>
+                </a:rPr>
+                <a:t>Get to know and trust the data</a:t>
+              </a:r>
+            </a:p>
+            <a:p>
+              <a:pPr marL="742950" lvl="1" indent="-285750">
+                <a:buFont typeface="Arial" panose="020B0604020202020204" pitchFamily="34" charset="0"/>
+                <a:buChar char="•"/>
+              </a:pPr>
+              <a:endParaRPr lang="en-US" sz="2800" dirty="0">
+                <a:latin typeface="Avenir Roman" panose="02000503020000020003" pitchFamily="2" charset="0"/>
+              </a:endParaRPr>
+            </a:p>
+            <a:p>
+              <a:pPr marL="742950" lvl="1" indent="-285750">
+                <a:buFont typeface="Arial" panose="020B0604020202020204" pitchFamily="34" charset="0"/>
+                <a:buChar char="•"/>
+              </a:pPr>
+              <a:endParaRPr lang="en-US" sz="2800" dirty="0">
+                <a:latin typeface="Avenir Roman" panose="02000503020000020003" pitchFamily="2" charset="0"/>
+              </a:endParaRPr>
+            </a:p>
+          </p:txBody>
+        </p:sp>
+        <p:sp>
+          <p:nvSpPr>
+            <p:cNvPr id="6" name="TextBox 5">
+              <a:extLst>
+                <a:ext uri="{FF2B5EF4-FFF2-40B4-BE49-F238E27FC236}">
+                  <a16:creationId xmlns:a16="http://schemas.microsoft.com/office/drawing/2014/main" id="{6F4B55DD-1799-3944-84E1-2CE43BDEF26E}"/>
+                </a:ext>
+              </a:extLst>
+            </p:cNvPr>
+            <p:cNvSpPr txBox="1"/>
+            <p:nvPr/>
+          </p:nvSpPr>
+          <p:spPr>
+            <a:xfrm>
+              <a:off x="8879957" y="2850369"/>
+              <a:ext cx="2413588" cy="1384995"/>
+            </a:xfrm>
+            <a:prstGeom prst="rect">
+              <a:avLst/>
+            </a:prstGeom>
+            <a:noFill/>
+          </p:spPr>
+          <p:txBody>
+            <a:bodyPr wrap="square" rtlCol="0">
+              <a:spAutoFit/>
+            </a:bodyPr>
+            <a:lstStyle/>
+            <a:p>
+              <a:r>
+                <a:rPr lang="en-US" sz="2800" dirty="0">
+                  <a:latin typeface="Avenir Roman" panose="02000503020000020003" pitchFamily="2" charset="0"/>
+                </a:rPr>
+                <a:t>Contextualize inference</a:t>
+              </a:r>
+            </a:p>
+            <a:p>
+              <a:endParaRPr lang="en-US" sz="2800" dirty="0">
+                <a:latin typeface="Avenir Roman" panose="02000503020000020003" pitchFamily="2" charset="0"/>
+              </a:endParaRPr>
+            </a:p>
+          </p:txBody>
+        </p:sp>
+        <p:sp>
+          <p:nvSpPr>
+            <p:cNvPr id="7" name="TextBox 6">
+              <a:extLst>
+                <a:ext uri="{FF2B5EF4-FFF2-40B4-BE49-F238E27FC236}">
+                  <a16:creationId xmlns:a16="http://schemas.microsoft.com/office/drawing/2014/main" id="{CC9B4E79-7295-D14D-B419-D4D18FCE9FF4}"/>
+                </a:ext>
+              </a:extLst>
+            </p:cNvPr>
+            <p:cNvSpPr txBox="1"/>
+            <p:nvPr/>
+          </p:nvSpPr>
+          <p:spPr>
+            <a:xfrm>
+              <a:off x="6221815" y="2850369"/>
+              <a:ext cx="2505739" cy="1815882"/>
+            </a:xfrm>
+            <a:prstGeom prst="rect">
+              <a:avLst/>
+            </a:prstGeom>
+            <a:noFill/>
+          </p:spPr>
+          <p:txBody>
+            <a:bodyPr wrap="square" rtlCol="0">
+              <a:spAutoFit/>
+            </a:bodyPr>
+            <a:lstStyle/>
+            <a:p>
+              <a:r>
+                <a:rPr lang="en-US" sz="2800" dirty="0">
+                  <a:latin typeface="Avenir Roman" panose="02000503020000020003" pitchFamily="2" charset="0"/>
+                </a:rPr>
+                <a:t>Generate results</a:t>
+              </a:r>
+            </a:p>
+            <a:p>
+              <a:pPr marL="285750" indent="-285750">
+                <a:buFont typeface="Arial" panose="020B0604020202020204" pitchFamily="34" charset="0"/>
+                <a:buChar char="•"/>
+              </a:pPr>
+              <a:endParaRPr lang="en-US" sz="2800" dirty="0">
+                <a:latin typeface="Avenir Roman" panose="02000503020000020003" pitchFamily="2" charset="0"/>
+              </a:endParaRPr>
+            </a:p>
+            <a:p>
+              <a:endParaRPr lang="en-US" sz="2800" dirty="0">
+                <a:latin typeface="Avenir Roman" panose="02000503020000020003" pitchFamily="2" charset="0"/>
+              </a:endParaRPr>
+            </a:p>
+          </p:txBody>
+        </p:sp>
+        <p:cxnSp>
+          <p:nvCxnSpPr>
+            <p:cNvPr id="9" name="Straight Arrow Connector 8">
+              <a:extLst>
+                <a:ext uri="{FF2B5EF4-FFF2-40B4-BE49-F238E27FC236}">
+                  <a16:creationId xmlns:a16="http://schemas.microsoft.com/office/drawing/2014/main" id="{7969B3C5-A1B4-764C-9E20-6A1AB6913153}"/>
+                </a:ext>
+              </a:extLst>
+            </p:cNvPr>
+            <p:cNvCxnSpPr>
+              <a:cxnSpLocks/>
+            </p:cNvCxnSpPr>
+            <p:nvPr/>
+          </p:nvCxnSpPr>
+          <p:spPr>
+            <a:xfrm>
+              <a:off x="2379036" y="3281257"/>
+              <a:ext cx="982625" cy="0"/>
+            </a:xfrm>
+            <a:prstGeom prst="straightConnector1">
+              <a:avLst/>
+            </a:prstGeom>
+            <a:ln w="38100">
+              <a:solidFill>
+                <a:srgbClr val="008080"/>
+              </a:solidFill>
+              <a:tailEnd type="triangle"/>
+            </a:ln>
+          </p:spPr>
+          <p:style>
+            <a:lnRef idx="1">
+              <a:schemeClr val="accent1"/>
+            </a:lnRef>
+            <a:fillRef idx="0">
+              <a:schemeClr val="accent1"/>
+            </a:fillRef>
+            <a:effectRef idx="0">
+              <a:schemeClr val="accent1"/>
+            </a:effectRef>
+            <a:fontRef idx="minor">
+              <a:schemeClr val="tx1"/>
+            </a:fontRef>
+          </p:style>
+        </p:cxnSp>
+        <p:cxnSp>
+          <p:nvCxnSpPr>
+            <p:cNvPr id="12" name="Straight Arrow Connector 11">
+              <a:extLst>
+                <a:ext uri="{FF2B5EF4-FFF2-40B4-BE49-F238E27FC236}">
+                  <a16:creationId xmlns:a16="http://schemas.microsoft.com/office/drawing/2014/main" id="{897A0067-F980-874D-9B9E-7852CDF19B8D}"/>
+                </a:ext>
+              </a:extLst>
+            </p:cNvPr>
+            <p:cNvCxnSpPr>
+              <a:cxnSpLocks/>
+            </p:cNvCxnSpPr>
+            <p:nvPr/>
+          </p:nvCxnSpPr>
+          <p:spPr>
+            <a:xfrm>
+              <a:off x="7968218" y="3281257"/>
+              <a:ext cx="837311" cy="0"/>
+            </a:xfrm>
+            <a:prstGeom prst="straightConnector1">
+              <a:avLst/>
+            </a:prstGeom>
+            <a:ln w="38100">
+              <a:solidFill>
+                <a:srgbClr val="008080"/>
+              </a:solidFill>
+              <a:tailEnd type="triangle"/>
+            </a:ln>
+          </p:spPr>
+          <p:style>
+            <a:lnRef idx="1">
+              <a:schemeClr val="accent1"/>
+            </a:lnRef>
+            <a:fillRef idx="0">
+              <a:schemeClr val="accent1"/>
+            </a:fillRef>
+            <a:effectRef idx="0">
+              <a:schemeClr val="accent1"/>
+            </a:effectRef>
+            <a:fontRef idx="minor">
+              <a:schemeClr val="tx1"/>
+            </a:fontRef>
+          </p:style>
+        </p:cxnSp>
+        <p:cxnSp>
+          <p:nvCxnSpPr>
+            <p:cNvPr id="13" name="Straight Arrow Connector 12">
+              <a:extLst>
+                <a:ext uri="{FF2B5EF4-FFF2-40B4-BE49-F238E27FC236}">
+                  <a16:creationId xmlns:a16="http://schemas.microsoft.com/office/drawing/2014/main" id="{2D493725-30DA-C94B-BE46-7B1A77376508}"/>
+                </a:ext>
+              </a:extLst>
+            </p:cNvPr>
+            <p:cNvCxnSpPr>
+              <a:cxnSpLocks/>
+            </p:cNvCxnSpPr>
+            <p:nvPr/>
+          </p:nvCxnSpPr>
+          <p:spPr>
+            <a:xfrm>
+              <a:off x="5135526" y="3281257"/>
+              <a:ext cx="982625" cy="0"/>
+            </a:xfrm>
+            <a:prstGeom prst="straightConnector1">
+              <a:avLst/>
+            </a:prstGeom>
+            <a:ln w="38100">
+              <a:solidFill>
+                <a:srgbClr val="008080"/>
+              </a:solidFill>
+              <a:tailEnd type="triangle"/>
+            </a:ln>
+          </p:spPr>
+          <p:style>
+            <a:lnRef idx="1">
+              <a:schemeClr val="accent1"/>
+            </a:lnRef>
+            <a:fillRef idx="0">
+              <a:schemeClr val="accent1"/>
+            </a:fillRef>
+            <a:effectRef idx="0">
+              <a:schemeClr val="accent1"/>
+            </a:effectRef>
+            <a:fontRef idx="minor">
+              <a:schemeClr val="tx1"/>
+            </a:fontRef>
+          </p:style>
+        </p:cxnSp>
+      </p:grpSp>
+    </p:spTree>
+    <p:extLst>
+      <p:ext uri="{BB962C8B-B14F-4D97-AF65-F5344CB8AC3E}">
+        <p14:creationId xmlns:p14="http://schemas.microsoft.com/office/powerpoint/2010/main" val="606088344"/>
+      </p:ext>
+    </p:extLst>
+  </p:cSld>
+  <p:clrMapOvr>
+    <a:masterClrMapping/>
+  </p:clrMapOvr>
+</p:sld>
+</file>
+
+<file path=ppt/slides/slide5.xml><?xml version="1.0" encoding="utf-8"?>
+<p:sld xmlns:a="http://schemas.openxmlformats.org/drawingml/2006/main" xmlns:r="http://schemas.openxmlformats.org/officeDocument/2006/relationships" xmlns:p="http://schemas.openxmlformats.org/presentationml/2006/main">
+  <p:cSld>
+    <p:spTree>
+      <p:nvGrpSpPr>
+        <p:cNvPr id="1" name=""/>
+        <p:cNvGrpSpPr/>
+        <p:nvPr/>
+      </p:nvGrpSpPr>
+      <p:grpSpPr>
+        <a:xfrm>
+          <a:off x="0" y="0"/>
+          <a:ext cx="0" cy="0"/>
+          <a:chOff x="0" y="0"/>
+          <a:chExt cx="0" cy="0"/>
+        </a:xfrm>
+      </p:grpSpPr>
+      <p:grpSp>
+        <p:nvGrpSpPr>
+          <p:cNvPr id="13" name="Group 12">
+            <a:extLst>
+              <a:ext uri="{FF2B5EF4-FFF2-40B4-BE49-F238E27FC236}">
+                <a16:creationId xmlns:a16="http://schemas.microsoft.com/office/drawing/2014/main" id="{50C33FEC-D9F5-134B-8A85-FD50CB4CEA41}"/>
+              </a:ext>
+            </a:extLst>
+          </p:cNvPr>
+          <p:cNvGrpSpPr/>
+          <p:nvPr/>
+        </p:nvGrpSpPr>
+        <p:grpSpPr>
+          <a:xfrm>
+            <a:off x="515676" y="1112569"/>
+            <a:ext cx="11137603" cy="5632311"/>
+            <a:chOff x="515676" y="1020725"/>
+            <a:chExt cx="11137603" cy="5632311"/>
+          </a:xfrm>
+        </p:grpSpPr>
+        <p:sp>
+          <p:nvSpPr>
+            <p:cNvPr id="2" name="TextBox 1">
+              <a:extLst>
+                <a:ext uri="{FF2B5EF4-FFF2-40B4-BE49-F238E27FC236}">
+                  <a16:creationId xmlns:a16="http://schemas.microsoft.com/office/drawing/2014/main" id="{73998263-9E79-5C40-8A81-2419ECCE17B8}"/>
+                </a:ext>
+              </a:extLst>
+            </p:cNvPr>
+            <p:cNvSpPr txBox="1"/>
+            <p:nvPr/>
+          </p:nvSpPr>
+          <p:spPr>
+            <a:xfrm>
+              <a:off x="515676" y="1020726"/>
+              <a:ext cx="2663454" cy="3724096"/>
+            </a:xfrm>
+            <a:prstGeom prst="rect">
+              <a:avLst/>
+            </a:prstGeom>
+            <a:noFill/>
+          </p:spPr>
+          <p:txBody>
+            <a:bodyPr wrap="square" rtlCol="0">
+              <a:spAutoFit/>
+            </a:bodyPr>
+            <a:lstStyle/>
+            <a:p>
+              <a:r>
+                <a:rPr lang="en-US" sz="2800" dirty="0">
+                  <a:latin typeface="Avenir Roman" panose="02000503020000020003" pitchFamily="2" charset="0"/>
+                </a:rPr>
+                <a:t>Design</a:t>
+              </a:r>
+              <a:endParaRPr lang="en-US" sz="1600" dirty="0">
+                <a:latin typeface="Avenir Roman" panose="02000503020000020003" pitchFamily="2" charset="0"/>
+              </a:endParaRPr>
+            </a:p>
+            <a:p>
+              <a:pPr marL="285750" indent="-285750">
+                <a:buFont typeface="Arial" panose="020B0604020202020204" pitchFamily="34" charset="0"/>
+                <a:buChar char="•"/>
+              </a:pPr>
+              <a:r>
+                <a:rPr lang="en-US" sz="1600" dirty="0">
+                  <a:solidFill>
+                    <a:schemeClr val="bg1">
+                      <a:lumMod val="85000"/>
+                    </a:schemeClr>
+                  </a:solidFill>
+                  <a:latin typeface="Avenir Roman" panose="02000503020000020003" pitchFamily="2" charset="0"/>
+                </a:rPr>
+                <a:t>Read the literature</a:t>
+              </a:r>
+            </a:p>
+            <a:p>
+              <a:pPr marL="285750" indent="-285750">
+                <a:buFont typeface="Arial" panose="020B0604020202020204" pitchFamily="34" charset="0"/>
+                <a:buChar char="•"/>
+              </a:pPr>
+              <a:r>
+                <a:rPr lang="en-US" sz="1600" dirty="0">
+                  <a:solidFill>
+                    <a:schemeClr val="bg1">
+                      <a:lumMod val="85000"/>
+                    </a:schemeClr>
+                  </a:solidFill>
+                  <a:latin typeface="Avenir Roman" panose="02000503020000020003" pitchFamily="2" charset="0"/>
+                </a:rPr>
+                <a:t>Frame the question</a:t>
+              </a:r>
+            </a:p>
+            <a:p>
+              <a:pPr marL="285750" indent="-285750">
+                <a:buFont typeface="Arial" panose="020B0604020202020204" pitchFamily="34" charset="0"/>
+                <a:buChar char="•"/>
+              </a:pPr>
+              <a:r>
+                <a:rPr lang="en-US" sz="1600" dirty="0">
+                  <a:solidFill>
+                    <a:schemeClr val="bg1">
+                      <a:lumMod val="85000"/>
+                    </a:schemeClr>
+                  </a:solidFill>
+                  <a:latin typeface="Avenir Roman" panose="02000503020000020003" pitchFamily="2" charset="0"/>
+                </a:rPr>
+                <a:t>Identify sources of data</a:t>
+              </a:r>
+            </a:p>
+            <a:p>
+              <a:pPr marL="285750" indent="-285750">
+                <a:buFont typeface="Arial" panose="020B0604020202020204" pitchFamily="34" charset="0"/>
+                <a:buChar char="•"/>
+              </a:pPr>
+              <a:r>
+                <a:rPr lang="en-US" sz="1600" dirty="0">
+                  <a:solidFill>
+                    <a:schemeClr val="bg1">
+                      <a:lumMod val="85000"/>
+                    </a:schemeClr>
+                  </a:solidFill>
+                  <a:latin typeface="Avenir Roman" panose="02000503020000020003" pitchFamily="2" charset="0"/>
+                </a:rPr>
+                <a:t>Refine the question</a:t>
+              </a:r>
+            </a:p>
+            <a:p>
+              <a:pPr marL="285750" indent="-285750">
+                <a:buFont typeface="Arial" panose="020B0604020202020204" pitchFamily="34" charset="0"/>
+                <a:buChar char="•"/>
+              </a:pPr>
+              <a:r>
+                <a:rPr lang="en-US" sz="1600" dirty="0">
+                  <a:solidFill>
+                    <a:schemeClr val="bg1">
+                      <a:lumMod val="85000"/>
+                    </a:schemeClr>
+                  </a:solidFill>
+                  <a:latin typeface="Avenir Roman" panose="02000503020000020003" pitchFamily="2" charset="0"/>
+                </a:rPr>
+                <a:t>Conduct a power analysis</a:t>
+              </a:r>
+            </a:p>
+            <a:p>
+              <a:pPr marL="285750" indent="-285750">
+                <a:buFont typeface="Arial" panose="020B0604020202020204" pitchFamily="34" charset="0"/>
+                <a:buChar char="•"/>
+              </a:pPr>
+              <a:r>
+                <a:rPr lang="en-US" sz="1600" dirty="0">
+                  <a:solidFill>
+                    <a:schemeClr val="bg1">
+                      <a:lumMod val="85000"/>
+                    </a:schemeClr>
+                  </a:solidFill>
+                  <a:latin typeface="Avenir Roman" panose="02000503020000020003" pitchFamily="2" charset="0"/>
+                </a:rPr>
+                <a:t>Identify sources of bias</a:t>
+              </a:r>
+            </a:p>
+            <a:p>
+              <a:pPr marL="285750" indent="-285750">
+                <a:buFont typeface="Arial" panose="020B0604020202020204" pitchFamily="34" charset="0"/>
+                <a:buChar char="•"/>
+              </a:pPr>
+              <a:r>
+                <a:rPr lang="en-US" sz="1600" dirty="0">
+                  <a:solidFill>
+                    <a:schemeClr val="bg1">
+                      <a:lumMod val="85000"/>
+                    </a:schemeClr>
+                  </a:solidFill>
+                  <a:latin typeface="Avenir Roman" panose="02000503020000020003" pitchFamily="2" charset="0"/>
+                </a:rPr>
+                <a:t>Verify that you can account for bias</a:t>
+              </a:r>
+            </a:p>
+            <a:p>
+              <a:pPr algn="ctr"/>
+              <a:r>
+                <a:rPr lang="en-US" sz="1600" dirty="0">
+                  <a:solidFill>
+                    <a:schemeClr val="bg1">
+                      <a:lumMod val="85000"/>
+                    </a:schemeClr>
+                  </a:solidFill>
+                  <a:latin typeface="Avenir Roman" panose="02000503020000020003" pitchFamily="2" charset="0"/>
+                </a:rPr>
+                <a:t>OR</a:t>
+              </a:r>
+            </a:p>
+            <a:p>
+              <a:pPr marL="285750" indent="-285750">
+                <a:buFont typeface="Arial" panose="020B0604020202020204" pitchFamily="34" charset="0"/>
+                <a:buChar char="•"/>
+              </a:pPr>
+              <a:r>
+                <a:rPr lang="en-US" sz="1600" dirty="0">
+                  <a:solidFill>
+                    <a:schemeClr val="bg1">
+                      <a:lumMod val="85000"/>
+                    </a:schemeClr>
+                  </a:solidFill>
+                  <a:latin typeface="Avenir Roman" panose="02000503020000020003" pitchFamily="2" charset="0"/>
+                </a:rPr>
+                <a:t>Consciously accept bias as a limitation of your design</a:t>
+              </a:r>
+            </a:p>
+          </p:txBody>
+        </p:sp>
+        <p:sp>
+          <p:nvSpPr>
+            <p:cNvPr id="3" name="TextBox 2">
+              <a:extLst>
+                <a:ext uri="{FF2B5EF4-FFF2-40B4-BE49-F238E27FC236}">
+                  <a16:creationId xmlns:a16="http://schemas.microsoft.com/office/drawing/2014/main" id="{C8A295DB-4953-994A-85C7-D6F06C59E933}"/>
+                </a:ext>
+              </a:extLst>
+            </p:cNvPr>
+            <p:cNvSpPr txBox="1"/>
+            <p:nvPr/>
+          </p:nvSpPr>
+          <p:spPr>
+            <a:xfrm>
+              <a:off x="3322670" y="1020725"/>
+              <a:ext cx="3312041" cy="5632311"/>
+            </a:xfrm>
+            <a:prstGeom prst="rect">
+              <a:avLst/>
+            </a:prstGeom>
+            <a:noFill/>
+          </p:spPr>
+          <p:txBody>
+            <a:bodyPr wrap="square" rtlCol="0">
+              <a:spAutoFit/>
+            </a:bodyPr>
+            <a:lstStyle/>
+            <a:p>
+              <a:r>
+                <a:rPr lang="en-US" sz="2800" dirty="0">
+                  <a:latin typeface="Avenir Roman" panose="02000503020000020003" pitchFamily="2" charset="0"/>
+                </a:rPr>
+                <a:t>Get to know and trust the data</a:t>
+              </a:r>
+            </a:p>
+            <a:p>
+              <a:pPr marL="285750" indent="-285750">
+                <a:buFont typeface="Arial" panose="020B0604020202020204" pitchFamily="34" charset="0"/>
+                <a:buChar char="•"/>
+              </a:pPr>
+              <a:r>
+                <a:rPr lang="en-US" sz="1600" dirty="0">
+                  <a:solidFill>
+                    <a:schemeClr val="bg1">
+                      <a:lumMod val="85000"/>
+                    </a:schemeClr>
+                  </a:solidFill>
+                  <a:latin typeface="Avenir Roman" panose="02000503020000020003" pitchFamily="2" charset="0"/>
+                </a:rPr>
+                <a:t>Calibrate your intuition </a:t>
+              </a:r>
+            </a:p>
+            <a:p>
+              <a:pPr marL="742950" lvl="1" indent="-285750">
+                <a:buFont typeface="Arial" panose="020B0604020202020204" pitchFamily="34" charset="0"/>
+                <a:buChar char="•"/>
+              </a:pPr>
+              <a:r>
+                <a:rPr lang="en-US" sz="1600" dirty="0">
+                  <a:solidFill>
+                    <a:schemeClr val="bg1">
+                      <a:lumMod val="85000"/>
+                    </a:schemeClr>
+                  </a:solidFill>
+                  <a:latin typeface="Avenir Roman" panose="02000503020000020003" pitchFamily="2" charset="0"/>
+                </a:rPr>
+                <a:t>Descriptive statistics</a:t>
+              </a:r>
+            </a:p>
+            <a:p>
+              <a:pPr marL="742950" lvl="1" indent="-285750">
+                <a:buFont typeface="Arial" panose="020B0604020202020204" pitchFamily="34" charset="0"/>
+                <a:buChar char="•"/>
+              </a:pPr>
+              <a:r>
+                <a:rPr lang="en-US" sz="1600" dirty="0">
+                  <a:solidFill>
+                    <a:schemeClr val="bg1">
+                      <a:lumMod val="85000"/>
+                    </a:schemeClr>
+                  </a:solidFill>
+                  <a:latin typeface="Avenir Roman" panose="02000503020000020003" pitchFamily="2" charset="0"/>
+                </a:rPr>
+                <a:t>Preliminary visualization of relationships</a:t>
+              </a:r>
+            </a:p>
+            <a:p>
+              <a:pPr marL="742950" lvl="1" indent="-285750">
+                <a:buFont typeface="Arial" panose="020B0604020202020204" pitchFamily="34" charset="0"/>
+                <a:buChar char="•"/>
+              </a:pPr>
+              <a:r>
+                <a:rPr lang="en-US" sz="1600" dirty="0">
+                  <a:solidFill>
+                    <a:schemeClr val="bg1">
+                      <a:lumMod val="85000"/>
+                    </a:schemeClr>
+                  </a:solidFill>
+                  <a:latin typeface="Avenir Roman" panose="02000503020000020003" pitchFamily="2" charset="0"/>
+                </a:rPr>
+                <a:t>Identify funky, unexpected features of the data</a:t>
+              </a:r>
+            </a:p>
+            <a:p>
+              <a:pPr marL="742950" lvl="1" indent="-285750">
+                <a:buFont typeface="Arial" panose="020B0604020202020204" pitchFamily="34" charset="0"/>
+                <a:buChar char="•"/>
+              </a:pPr>
+              <a:r>
+                <a:rPr lang="en-US" sz="1600" dirty="0">
+                  <a:solidFill>
+                    <a:schemeClr val="bg1">
+                      <a:lumMod val="85000"/>
+                    </a:schemeClr>
+                  </a:solidFill>
+                  <a:latin typeface="Avenir Roman" panose="02000503020000020003" pitchFamily="2" charset="0"/>
+                </a:rPr>
+                <a:t>Generate additional sub-questions</a:t>
+              </a:r>
+            </a:p>
+            <a:p>
+              <a:pPr marL="285750" indent="-285750">
+                <a:buFont typeface="Arial" panose="020B0604020202020204" pitchFamily="34" charset="0"/>
+                <a:buChar char="•"/>
+              </a:pPr>
+              <a:r>
+                <a:rPr lang="en-US" sz="1600" dirty="0">
+                  <a:solidFill>
+                    <a:schemeClr val="bg1">
+                      <a:lumMod val="85000"/>
+                    </a:schemeClr>
+                  </a:solidFill>
+                  <a:latin typeface="Avenir Roman" panose="02000503020000020003" pitchFamily="2" charset="0"/>
+                </a:rPr>
+                <a:t>Pre-processing </a:t>
+              </a:r>
+            </a:p>
+            <a:p>
+              <a:pPr marL="742950" lvl="1" indent="-285750">
+                <a:buFont typeface="Arial" panose="020B0604020202020204" pitchFamily="34" charset="0"/>
+                <a:buChar char="•"/>
+              </a:pPr>
+              <a:r>
+                <a:rPr lang="en-US" sz="1600" dirty="0">
+                  <a:solidFill>
+                    <a:schemeClr val="bg1">
+                      <a:lumMod val="85000"/>
+                    </a:schemeClr>
+                  </a:solidFill>
+                  <a:latin typeface="Avenir Roman" panose="02000503020000020003" pitchFamily="2" charset="0"/>
+                </a:rPr>
+                <a:t>Variable transformation</a:t>
+              </a:r>
+            </a:p>
+            <a:p>
+              <a:pPr marL="742950" lvl="1" indent="-285750">
+                <a:buFont typeface="Arial" panose="020B0604020202020204" pitchFamily="34" charset="0"/>
+                <a:buChar char="•"/>
+              </a:pPr>
+              <a:r>
+                <a:rPr lang="en-US" sz="1600" dirty="0">
+                  <a:solidFill>
+                    <a:schemeClr val="bg1">
+                      <a:lumMod val="85000"/>
+                    </a:schemeClr>
+                  </a:solidFill>
+                  <a:latin typeface="Avenir Roman" panose="02000503020000020003" pitchFamily="2" charset="0"/>
+                </a:rPr>
+                <a:t>Normalization</a:t>
+              </a:r>
+            </a:p>
+            <a:p>
+              <a:pPr marL="742950" lvl="1" indent="-285750">
+                <a:buFont typeface="Arial" panose="020B0604020202020204" pitchFamily="34" charset="0"/>
+                <a:buChar char="•"/>
+              </a:pPr>
+              <a:r>
+                <a:rPr lang="en-US" sz="1600" dirty="0">
+                  <a:solidFill>
+                    <a:schemeClr val="bg1">
+                      <a:lumMod val="85000"/>
+                    </a:schemeClr>
+                  </a:solidFill>
+                  <a:latin typeface="Avenir Roman" panose="02000503020000020003" pitchFamily="2" charset="0"/>
+                </a:rPr>
+                <a:t>Merge with other datasets</a:t>
+              </a:r>
+            </a:p>
+            <a:p>
+              <a:pPr marL="285750" indent="-285750">
+                <a:buFont typeface="Arial" panose="020B0604020202020204" pitchFamily="34" charset="0"/>
+                <a:buChar char="•"/>
+              </a:pPr>
+              <a:r>
+                <a:rPr lang="en-US" sz="1600" dirty="0">
+                  <a:solidFill>
+                    <a:schemeClr val="bg1">
+                      <a:lumMod val="85000"/>
+                    </a:schemeClr>
+                  </a:solidFill>
+                  <a:latin typeface="Avenir Roman" panose="02000503020000020003" pitchFamily="2" charset="0"/>
+                </a:rPr>
+                <a:t>Identify and apply appropriate quality control measures</a:t>
+              </a:r>
+            </a:p>
+            <a:p>
+              <a:pPr marL="285750" indent="-285750">
+                <a:buFont typeface="Arial" panose="020B0604020202020204" pitchFamily="34" charset="0"/>
+                <a:buChar char="•"/>
+              </a:pPr>
+              <a:endParaRPr lang="en-US" sz="1600" dirty="0">
+                <a:solidFill>
+                  <a:schemeClr val="bg1">
+                    <a:lumMod val="75000"/>
+                  </a:schemeClr>
+                </a:solidFill>
+                <a:latin typeface="Avenir Roman" panose="02000503020000020003" pitchFamily="2" charset="0"/>
+              </a:endParaRPr>
+            </a:p>
+            <a:p>
+              <a:pPr marL="742950" lvl="1" indent="-285750">
+                <a:buFont typeface="Arial" panose="020B0604020202020204" pitchFamily="34" charset="0"/>
+                <a:buChar char="•"/>
+              </a:pPr>
+              <a:endParaRPr lang="en-US" sz="1600" dirty="0">
+                <a:latin typeface="Avenir Roman" panose="02000503020000020003" pitchFamily="2" charset="0"/>
+              </a:endParaRPr>
+            </a:p>
+            <a:p>
+              <a:pPr marL="742950" lvl="1" indent="-285750">
+                <a:buFont typeface="Arial" panose="020B0604020202020204" pitchFamily="34" charset="0"/>
+                <a:buChar char="•"/>
+              </a:pPr>
+              <a:endParaRPr lang="en-US" sz="1600" dirty="0">
+                <a:latin typeface="Avenir Roman" panose="02000503020000020003" pitchFamily="2" charset="0"/>
+              </a:endParaRPr>
+            </a:p>
+          </p:txBody>
+        </p:sp>
+        <p:sp>
+          <p:nvSpPr>
+            <p:cNvPr id="4" name="TextBox 3">
+              <a:extLst>
+                <a:ext uri="{FF2B5EF4-FFF2-40B4-BE49-F238E27FC236}">
+                  <a16:creationId xmlns:a16="http://schemas.microsoft.com/office/drawing/2014/main" id="{6585543B-ECCA-E547-B0A1-8155199D9CD4}"/>
+                </a:ext>
+              </a:extLst>
+            </p:cNvPr>
+            <p:cNvSpPr txBox="1"/>
+            <p:nvPr/>
+          </p:nvSpPr>
+          <p:spPr>
+            <a:xfrm>
+              <a:off x="9239691" y="1020725"/>
+              <a:ext cx="2413588" cy="5386090"/>
+            </a:xfrm>
+            <a:prstGeom prst="rect">
+              <a:avLst/>
+            </a:prstGeom>
+            <a:noFill/>
+          </p:spPr>
+          <p:txBody>
+            <a:bodyPr wrap="square" rtlCol="0">
+              <a:spAutoFit/>
+            </a:bodyPr>
+            <a:lstStyle/>
+            <a:p>
+              <a:r>
+                <a:rPr lang="en-US" sz="2800" dirty="0">
+                  <a:latin typeface="Avenir Roman" panose="02000503020000020003" pitchFamily="2" charset="0"/>
+                </a:rPr>
+                <a:t>Contextualize inference</a:t>
+              </a:r>
+            </a:p>
+            <a:p>
+              <a:pPr marL="285750" indent="-285750">
+                <a:buFont typeface="Arial" panose="020B0604020202020204" pitchFamily="34" charset="0"/>
+                <a:buChar char="•"/>
+              </a:pPr>
+              <a:r>
+                <a:rPr lang="en-US" sz="1600" dirty="0">
+                  <a:solidFill>
+                    <a:schemeClr val="bg1">
+                      <a:lumMod val="85000"/>
+                    </a:schemeClr>
+                  </a:solidFill>
+                  <a:latin typeface="Avenir Roman" panose="02000503020000020003" pitchFamily="2" charset="0"/>
+                </a:rPr>
+                <a:t>What is the story that your results tell?</a:t>
+              </a:r>
+            </a:p>
+            <a:p>
+              <a:pPr marL="285750" indent="-285750">
+                <a:buFont typeface="Arial" panose="020B0604020202020204" pitchFamily="34" charset="0"/>
+                <a:buChar char="•"/>
+              </a:pPr>
+              <a:r>
+                <a:rPr lang="en-US" sz="1600" dirty="0">
+                  <a:solidFill>
+                    <a:schemeClr val="bg1">
+                      <a:lumMod val="85000"/>
+                    </a:schemeClr>
+                  </a:solidFill>
+                  <a:latin typeface="Avenir Roman" panose="02000503020000020003" pitchFamily="2" charset="0"/>
+                </a:rPr>
+                <a:t>How does that story fit in to what is known?</a:t>
+              </a:r>
+            </a:p>
+            <a:p>
+              <a:pPr marL="285750" indent="-285750">
+                <a:buFont typeface="Arial" panose="020B0604020202020204" pitchFamily="34" charset="0"/>
+                <a:buChar char="•"/>
+              </a:pPr>
+              <a:r>
+                <a:rPr lang="en-US" sz="1600" dirty="0">
+                  <a:solidFill>
+                    <a:schemeClr val="bg1">
+                      <a:lumMod val="85000"/>
+                    </a:schemeClr>
+                  </a:solidFill>
+                  <a:latin typeface="Avenir Roman" panose="02000503020000020003" pitchFamily="2" charset="0"/>
+                </a:rPr>
+                <a:t>How do the sources of bias impact the inference that you can make?</a:t>
+              </a:r>
+            </a:p>
+            <a:p>
+              <a:pPr marL="285750" indent="-285750">
+                <a:buFont typeface="Arial" panose="020B0604020202020204" pitchFamily="34" charset="0"/>
+                <a:buChar char="•"/>
+              </a:pPr>
+              <a:r>
+                <a:rPr lang="en-US" sz="1600" dirty="0">
+                  <a:solidFill>
+                    <a:schemeClr val="bg1">
+                      <a:lumMod val="85000"/>
+                    </a:schemeClr>
+                  </a:solidFill>
+                  <a:latin typeface="Avenir Roman" panose="02000503020000020003" pitchFamily="2" charset="0"/>
+                </a:rPr>
+                <a:t>How far can you safely generalize?</a:t>
+              </a:r>
+            </a:p>
+            <a:p>
+              <a:pPr marL="285750" indent="-285750">
+                <a:buFont typeface="Arial" panose="020B0604020202020204" pitchFamily="34" charset="0"/>
+                <a:buChar char="•"/>
+              </a:pPr>
+              <a:r>
+                <a:rPr lang="en-US" sz="1600" dirty="0">
+                  <a:solidFill>
+                    <a:schemeClr val="bg1">
+                      <a:lumMod val="85000"/>
+                    </a:schemeClr>
+                  </a:solidFill>
+                  <a:latin typeface="Avenir Roman" panose="02000503020000020003" pitchFamily="2" charset="0"/>
+                </a:rPr>
+                <a:t>How may others misinterpret your results and how can you safeguard against that?</a:t>
+              </a:r>
+            </a:p>
+            <a:p>
+              <a:pPr marL="285750" indent="-285750">
+                <a:buFont typeface="Arial" panose="020B0604020202020204" pitchFamily="34" charset="0"/>
+                <a:buChar char="•"/>
+              </a:pPr>
+              <a:endParaRPr lang="en-US" sz="1600" dirty="0">
+                <a:solidFill>
+                  <a:schemeClr val="bg1">
+                    <a:lumMod val="85000"/>
+                  </a:schemeClr>
+                </a:solidFill>
+                <a:latin typeface="Avenir Roman" panose="02000503020000020003" pitchFamily="2" charset="0"/>
+              </a:endParaRPr>
+            </a:p>
+            <a:p>
+              <a:endParaRPr lang="en-US" sz="1600" dirty="0">
+                <a:latin typeface="Avenir Roman" panose="02000503020000020003" pitchFamily="2" charset="0"/>
+              </a:endParaRPr>
+            </a:p>
+          </p:txBody>
+        </p:sp>
+        <p:sp>
+          <p:nvSpPr>
+            <p:cNvPr id="5" name="TextBox 4">
+              <a:extLst>
+                <a:ext uri="{FF2B5EF4-FFF2-40B4-BE49-F238E27FC236}">
+                  <a16:creationId xmlns:a16="http://schemas.microsoft.com/office/drawing/2014/main" id="{BFEECD9E-D047-3748-9C1E-DBF5E74EE6C7}"/>
+                </a:ext>
+              </a:extLst>
+            </p:cNvPr>
+            <p:cNvSpPr txBox="1"/>
+            <p:nvPr/>
+          </p:nvSpPr>
+          <p:spPr>
+            <a:xfrm>
+              <a:off x="6778251" y="1020725"/>
+              <a:ext cx="2505739" cy="3170099"/>
+            </a:xfrm>
+            <a:prstGeom prst="rect">
+              <a:avLst/>
+            </a:prstGeom>
+            <a:noFill/>
+          </p:spPr>
+          <p:txBody>
+            <a:bodyPr wrap="square" rtlCol="0">
+              <a:spAutoFit/>
+            </a:bodyPr>
+            <a:lstStyle/>
+            <a:p>
+              <a:r>
+                <a:rPr lang="en-US" sz="2800" dirty="0">
+                  <a:latin typeface="Avenir Roman" panose="02000503020000020003" pitchFamily="2" charset="0"/>
+                </a:rPr>
+                <a:t>Generate results</a:t>
+              </a:r>
+            </a:p>
+            <a:p>
+              <a:pPr marL="285750" indent="-285750">
+                <a:buFont typeface="Arial" panose="020B0604020202020204" pitchFamily="34" charset="0"/>
+                <a:buChar char="•"/>
+              </a:pPr>
+              <a:r>
+                <a:rPr lang="en-US" sz="1600" dirty="0">
+                  <a:solidFill>
+                    <a:schemeClr val="bg1">
+                      <a:lumMod val="85000"/>
+                    </a:schemeClr>
+                  </a:solidFill>
+                  <a:latin typeface="Avenir Roman" panose="02000503020000020003" pitchFamily="2" charset="0"/>
+                </a:rPr>
+                <a:t>Inferential statistics</a:t>
+              </a:r>
+            </a:p>
+            <a:p>
+              <a:pPr marL="285750" indent="-285750">
+                <a:buFont typeface="Arial" panose="020B0604020202020204" pitchFamily="34" charset="0"/>
+                <a:buChar char="•"/>
+              </a:pPr>
+              <a:r>
+                <a:rPr lang="en-US" sz="1600" dirty="0">
+                  <a:solidFill>
+                    <a:schemeClr val="bg1">
+                      <a:lumMod val="85000"/>
+                    </a:schemeClr>
+                  </a:solidFill>
+                  <a:latin typeface="Avenir Roman" panose="02000503020000020003" pitchFamily="2" charset="0"/>
+                </a:rPr>
+                <a:t>Modeling (statistical, computational or mathematical)</a:t>
+              </a:r>
+            </a:p>
+            <a:p>
+              <a:pPr marL="285750" indent="-285750">
+                <a:buFont typeface="Arial" panose="020B0604020202020204" pitchFamily="34" charset="0"/>
+                <a:buChar char="•"/>
+              </a:pPr>
+              <a:r>
+                <a:rPr lang="en-US" sz="1600" dirty="0">
+                  <a:solidFill>
+                    <a:schemeClr val="bg1">
+                      <a:lumMod val="85000"/>
+                    </a:schemeClr>
+                  </a:solidFill>
+                  <a:latin typeface="Avenir Roman" panose="02000503020000020003" pitchFamily="2" charset="0"/>
+                </a:rPr>
+                <a:t>Verify that you are not violating key assumptions</a:t>
+              </a:r>
+            </a:p>
+            <a:p>
+              <a:pPr marL="285750" indent="-285750">
+                <a:buFont typeface="Arial" panose="020B0604020202020204" pitchFamily="34" charset="0"/>
+                <a:buChar char="•"/>
+              </a:pPr>
+              <a:endParaRPr lang="en-US" sz="1600" dirty="0">
+                <a:solidFill>
+                  <a:schemeClr val="bg1">
+                    <a:lumMod val="75000"/>
+                  </a:schemeClr>
+                </a:solidFill>
+                <a:latin typeface="Avenir Roman" panose="02000503020000020003" pitchFamily="2" charset="0"/>
+              </a:endParaRPr>
+            </a:p>
+            <a:p>
+              <a:endParaRPr lang="en-US" sz="1600" dirty="0">
+                <a:latin typeface="Avenir Roman" panose="02000503020000020003" pitchFamily="2" charset="0"/>
+              </a:endParaRPr>
+            </a:p>
+          </p:txBody>
+        </p:sp>
+        <p:cxnSp>
+          <p:nvCxnSpPr>
+            <p:cNvPr id="6" name="Straight Arrow Connector 5">
+              <a:extLst>
+                <a:ext uri="{FF2B5EF4-FFF2-40B4-BE49-F238E27FC236}">
+                  <a16:creationId xmlns:a16="http://schemas.microsoft.com/office/drawing/2014/main" id="{2949FEC9-5EFE-9049-88A4-37184B8934EE}"/>
+                </a:ext>
+              </a:extLst>
+            </p:cNvPr>
+            <p:cNvCxnSpPr>
+              <a:cxnSpLocks/>
+            </p:cNvCxnSpPr>
+            <p:nvPr/>
+          </p:nvCxnSpPr>
+          <p:spPr>
+            <a:xfrm>
+              <a:off x="1974996" y="1275132"/>
+              <a:ext cx="982625" cy="0"/>
+            </a:xfrm>
+            <a:prstGeom prst="straightConnector1">
+              <a:avLst/>
+            </a:prstGeom>
+            <a:ln w="38100">
+              <a:solidFill>
+                <a:srgbClr val="008080"/>
+              </a:solidFill>
+              <a:tailEnd type="triangle"/>
+            </a:ln>
+          </p:spPr>
+          <p:style>
+            <a:lnRef idx="1">
+              <a:schemeClr val="accent1"/>
+            </a:lnRef>
+            <a:fillRef idx="0">
+              <a:schemeClr val="accent1"/>
+            </a:fillRef>
+            <a:effectRef idx="0">
+              <a:schemeClr val="accent1"/>
+            </a:effectRef>
+            <a:fontRef idx="minor">
+              <a:schemeClr val="tx1"/>
+            </a:fontRef>
+          </p:style>
+        </p:cxnSp>
+        <p:cxnSp>
+          <p:nvCxnSpPr>
+            <p:cNvPr id="7" name="Straight Arrow Connector 6">
+              <a:extLst>
+                <a:ext uri="{FF2B5EF4-FFF2-40B4-BE49-F238E27FC236}">
+                  <a16:creationId xmlns:a16="http://schemas.microsoft.com/office/drawing/2014/main" id="{571FFA94-9BCD-8744-AD99-EF20F5E114F2}"/>
+                </a:ext>
+              </a:extLst>
+            </p:cNvPr>
+            <p:cNvCxnSpPr>
+              <a:cxnSpLocks/>
+            </p:cNvCxnSpPr>
+            <p:nvPr/>
+          </p:nvCxnSpPr>
+          <p:spPr>
+            <a:xfrm>
+              <a:off x="8615034" y="1275132"/>
+              <a:ext cx="624657" cy="0"/>
+            </a:xfrm>
+            <a:prstGeom prst="straightConnector1">
+              <a:avLst/>
+            </a:prstGeom>
+            <a:ln w="38100">
+              <a:solidFill>
+                <a:srgbClr val="008080"/>
+              </a:solidFill>
+              <a:tailEnd type="triangle"/>
+            </a:ln>
+          </p:spPr>
+          <p:style>
+            <a:lnRef idx="1">
+              <a:schemeClr val="accent1"/>
+            </a:lnRef>
+            <a:fillRef idx="0">
+              <a:schemeClr val="accent1"/>
+            </a:fillRef>
+            <a:effectRef idx="0">
+              <a:schemeClr val="accent1"/>
+            </a:effectRef>
+            <a:fontRef idx="minor">
+              <a:schemeClr val="tx1"/>
+            </a:fontRef>
+          </p:style>
+        </p:cxnSp>
+        <p:cxnSp>
+          <p:nvCxnSpPr>
+            <p:cNvPr id="8" name="Straight Arrow Connector 7">
+              <a:extLst>
+                <a:ext uri="{FF2B5EF4-FFF2-40B4-BE49-F238E27FC236}">
+                  <a16:creationId xmlns:a16="http://schemas.microsoft.com/office/drawing/2014/main" id="{B2091A4C-D782-7944-A4FB-08864CA0B19A}"/>
+                </a:ext>
+              </a:extLst>
+            </p:cNvPr>
+            <p:cNvCxnSpPr>
+              <a:cxnSpLocks/>
+            </p:cNvCxnSpPr>
+            <p:nvPr/>
+          </p:nvCxnSpPr>
+          <p:spPr>
+            <a:xfrm>
+              <a:off x="6286938" y="1272807"/>
+              <a:ext cx="491313" cy="0"/>
+            </a:xfrm>
+            <a:prstGeom prst="straightConnector1">
+              <a:avLst/>
+            </a:prstGeom>
+            <a:ln w="38100">
+              <a:solidFill>
+                <a:srgbClr val="008080"/>
+              </a:solidFill>
+              <a:tailEnd type="triangle"/>
+            </a:ln>
+          </p:spPr>
+          <p:style>
+            <a:lnRef idx="1">
+              <a:schemeClr val="accent1"/>
+            </a:lnRef>
+            <a:fillRef idx="0">
+              <a:schemeClr val="accent1"/>
+            </a:fillRef>
+            <a:effectRef idx="0">
+              <a:schemeClr val="accent1"/>
+            </a:effectRef>
+            <a:fontRef idx="minor">
+              <a:schemeClr val="tx1"/>
+            </a:fontRef>
+          </p:style>
+        </p:cxnSp>
+      </p:grpSp>
+    </p:spTree>
+    <p:extLst>
+      <p:ext uri="{BB962C8B-B14F-4D97-AF65-F5344CB8AC3E}">
+        <p14:creationId xmlns:p14="http://schemas.microsoft.com/office/powerpoint/2010/main" val="117441117"/>
+      </p:ext>
+    </p:extLst>
+  </p:cSld>
+  <p:clrMapOvr>
+    <a:masterClrMapping/>
+  </p:clrMapOvr>
+</p:sld>
+</file>
+
+<file path=ppt/slides/slide6.xml><?xml version="1.0" encoding="utf-8"?>
+<p:sld xmlns:a="http://schemas.openxmlformats.org/drawingml/2006/main" xmlns:r="http://schemas.openxmlformats.org/officeDocument/2006/relationships" xmlns:p="http://schemas.openxmlformats.org/presentationml/2006/main">
+  <p:cSld>
+    <p:spTree>
+      <p:nvGrpSpPr>
+        <p:cNvPr id="1" name=""/>
+        <p:cNvGrpSpPr/>
+        <p:nvPr/>
+      </p:nvGrpSpPr>
+      <p:grpSpPr>
+        <a:xfrm>
+          <a:off x="0" y="0"/>
+          <a:ext cx="0" cy="0"/>
+          <a:chOff x="0" y="0"/>
+          <a:chExt cx="0" cy="0"/>
+        </a:xfrm>
+      </p:grpSpPr>
+      <p:grpSp>
+        <p:nvGrpSpPr>
+          <p:cNvPr id="13" name="Group 12">
+            <a:extLst>
+              <a:ext uri="{FF2B5EF4-FFF2-40B4-BE49-F238E27FC236}">
+                <a16:creationId xmlns:a16="http://schemas.microsoft.com/office/drawing/2014/main" id="{50C33FEC-D9F5-134B-8A85-FD50CB4CEA41}"/>
+              </a:ext>
+            </a:extLst>
+          </p:cNvPr>
+          <p:cNvGrpSpPr/>
+          <p:nvPr/>
+        </p:nvGrpSpPr>
+        <p:grpSpPr>
+          <a:xfrm>
+            <a:off x="515676" y="1112569"/>
+            <a:ext cx="11137603" cy="6001643"/>
+            <a:chOff x="515676" y="1020725"/>
+            <a:chExt cx="11137603" cy="6001643"/>
+          </a:xfrm>
+        </p:grpSpPr>
+        <p:sp>
+          <p:nvSpPr>
+            <p:cNvPr id="2" name="TextBox 1">
+              <a:extLst>
+                <a:ext uri="{FF2B5EF4-FFF2-40B4-BE49-F238E27FC236}">
+                  <a16:creationId xmlns:a16="http://schemas.microsoft.com/office/drawing/2014/main" id="{73998263-9E79-5C40-8A81-2419ECCE17B8}"/>
+                </a:ext>
+              </a:extLst>
+            </p:cNvPr>
+            <p:cNvSpPr txBox="1"/>
+            <p:nvPr/>
+          </p:nvSpPr>
+          <p:spPr>
+            <a:xfrm>
+              <a:off x="515676" y="1020726"/>
+              <a:ext cx="2663454" cy="4462760"/>
+            </a:xfrm>
+            <a:prstGeom prst="rect">
+              <a:avLst/>
+            </a:prstGeom>
+            <a:noFill/>
+          </p:spPr>
+          <p:txBody>
+            <a:bodyPr wrap="square" rtlCol="0">
+              <a:spAutoFit/>
+            </a:bodyPr>
+            <a:lstStyle/>
+            <a:p>
+              <a:r>
+                <a:rPr lang="en-US" sz="2800" dirty="0">
+                  <a:latin typeface="Avenir Roman" panose="02000503020000020003" pitchFamily="2" charset="0"/>
+                </a:rPr>
+                <a:t>Design</a:t>
+              </a:r>
+              <a:endParaRPr lang="en-US" sz="1600" dirty="0">
+                <a:latin typeface="Avenir Roman" panose="02000503020000020003" pitchFamily="2" charset="0"/>
+              </a:endParaRPr>
+            </a:p>
+            <a:p>
+              <a:pPr marL="285750" indent="-285750">
+                <a:buFont typeface="Arial" panose="020B0604020202020204" pitchFamily="34" charset="0"/>
+                <a:buChar char="•"/>
+              </a:pPr>
+              <a:r>
+                <a:rPr lang="en-US" sz="1600" dirty="0">
+                  <a:solidFill>
+                    <a:schemeClr val="bg1">
+                      <a:lumMod val="85000"/>
+                    </a:schemeClr>
+                  </a:solidFill>
+                  <a:latin typeface="Avenir Roman" panose="02000503020000020003" pitchFamily="2" charset="0"/>
+                </a:rPr>
+                <a:t>Read the literature</a:t>
+              </a:r>
+            </a:p>
+            <a:p>
+              <a:pPr marL="285750" indent="-285750">
+                <a:buFont typeface="Arial" panose="020B0604020202020204" pitchFamily="34" charset="0"/>
+                <a:buChar char="•"/>
+              </a:pPr>
+              <a:r>
+                <a:rPr lang="en-US" sz="1600" dirty="0">
+                  <a:solidFill>
+                    <a:schemeClr val="bg1">
+                      <a:lumMod val="85000"/>
+                    </a:schemeClr>
+                  </a:solidFill>
+                  <a:latin typeface="Avenir Roman" panose="02000503020000020003" pitchFamily="2" charset="0"/>
+                </a:rPr>
+                <a:t>Frame the question</a:t>
+              </a:r>
+            </a:p>
+            <a:p>
+              <a:pPr marL="285750" indent="-285750">
+                <a:buFont typeface="Arial" panose="020B0604020202020204" pitchFamily="34" charset="0"/>
+                <a:buChar char="•"/>
+              </a:pPr>
+              <a:r>
+                <a:rPr lang="en-US" sz="1600" dirty="0">
+                  <a:solidFill>
+                    <a:schemeClr val="bg1">
+                      <a:lumMod val="85000"/>
+                    </a:schemeClr>
+                  </a:solidFill>
+                  <a:latin typeface="Avenir Roman" panose="02000503020000020003" pitchFamily="2" charset="0"/>
+                </a:rPr>
+                <a:t>Identify sources of data</a:t>
+              </a:r>
+            </a:p>
+            <a:p>
+              <a:pPr marL="285750" indent="-285750">
+                <a:buFont typeface="Arial" panose="020B0604020202020204" pitchFamily="34" charset="0"/>
+                <a:buChar char="•"/>
+              </a:pPr>
+              <a:r>
+                <a:rPr lang="en-US" sz="2000" dirty="0">
+                  <a:solidFill>
+                    <a:srgbClr val="008080"/>
+                  </a:solidFill>
+                  <a:latin typeface="Avenir Roman" panose="02000503020000020003" pitchFamily="2" charset="0"/>
+                </a:rPr>
+                <a:t>Refine the question</a:t>
+              </a:r>
+            </a:p>
+            <a:p>
+              <a:pPr marL="285750" indent="-285750">
+                <a:buFont typeface="Arial" panose="020B0604020202020204" pitchFamily="34" charset="0"/>
+                <a:buChar char="•"/>
+              </a:pPr>
+              <a:r>
+                <a:rPr lang="en-US" sz="1600" dirty="0">
+                  <a:solidFill>
+                    <a:schemeClr val="bg1">
+                      <a:lumMod val="85000"/>
+                    </a:schemeClr>
+                  </a:solidFill>
+                  <a:latin typeface="Avenir Roman" panose="02000503020000020003" pitchFamily="2" charset="0"/>
+                </a:rPr>
+                <a:t>Conduct a power analysis</a:t>
+              </a:r>
+            </a:p>
+            <a:p>
+              <a:pPr marL="285750" indent="-285750">
+                <a:buFont typeface="Arial" panose="020B0604020202020204" pitchFamily="34" charset="0"/>
+                <a:buChar char="•"/>
+              </a:pPr>
+              <a:r>
+                <a:rPr lang="en-US" sz="2000" dirty="0">
+                  <a:solidFill>
+                    <a:srgbClr val="008080"/>
+                  </a:solidFill>
+                  <a:latin typeface="Avenir Roman" panose="02000503020000020003" pitchFamily="2" charset="0"/>
+                </a:rPr>
+                <a:t>Identify sources of bias</a:t>
+              </a:r>
+            </a:p>
+            <a:p>
+              <a:pPr marL="285750" indent="-285750">
+                <a:buFont typeface="Arial" panose="020B0604020202020204" pitchFamily="34" charset="0"/>
+                <a:buChar char="•"/>
+              </a:pPr>
+              <a:r>
+                <a:rPr lang="en-US" sz="1600" dirty="0">
+                  <a:solidFill>
+                    <a:schemeClr val="bg1">
+                      <a:lumMod val="85000"/>
+                    </a:schemeClr>
+                  </a:solidFill>
+                  <a:latin typeface="Avenir Roman" panose="02000503020000020003" pitchFamily="2" charset="0"/>
+                </a:rPr>
+                <a:t>Verify that you can account for bias</a:t>
+              </a:r>
+            </a:p>
+            <a:p>
+              <a:pPr algn="ctr"/>
+              <a:r>
+                <a:rPr lang="en-US" sz="1600" dirty="0">
+                  <a:solidFill>
+                    <a:schemeClr val="bg1">
+                      <a:lumMod val="85000"/>
+                    </a:schemeClr>
+                  </a:solidFill>
+                  <a:latin typeface="Avenir Roman" panose="02000503020000020003" pitchFamily="2" charset="0"/>
+                </a:rPr>
+                <a:t>OR</a:t>
+              </a:r>
+            </a:p>
+            <a:p>
+              <a:pPr marL="285750" indent="-285750">
+                <a:buFont typeface="Arial" panose="020B0604020202020204" pitchFamily="34" charset="0"/>
+                <a:buChar char="•"/>
+              </a:pPr>
+              <a:r>
+                <a:rPr lang="en-US" sz="1600" dirty="0">
+                  <a:solidFill>
+                    <a:schemeClr val="bg1">
+                      <a:lumMod val="85000"/>
+                    </a:schemeClr>
+                  </a:solidFill>
+                  <a:latin typeface="Avenir Roman" panose="02000503020000020003" pitchFamily="2" charset="0"/>
+                </a:rPr>
+                <a:t>Consciously accept bias as a limitation of your design</a:t>
+              </a:r>
+            </a:p>
+          </p:txBody>
+        </p:sp>
+        <p:sp>
+          <p:nvSpPr>
+            <p:cNvPr id="3" name="TextBox 2">
+              <a:extLst>
+                <a:ext uri="{FF2B5EF4-FFF2-40B4-BE49-F238E27FC236}">
+                  <a16:creationId xmlns:a16="http://schemas.microsoft.com/office/drawing/2014/main" id="{C8A295DB-4953-994A-85C7-D6F06C59E933}"/>
+                </a:ext>
+              </a:extLst>
+            </p:cNvPr>
+            <p:cNvSpPr txBox="1"/>
+            <p:nvPr/>
+          </p:nvSpPr>
+          <p:spPr>
+            <a:xfrm>
+              <a:off x="3322670" y="1020725"/>
+              <a:ext cx="3312041" cy="6001643"/>
+            </a:xfrm>
+            <a:prstGeom prst="rect">
+              <a:avLst/>
+            </a:prstGeom>
+            <a:noFill/>
+          </p:spPr>
+          <p:txBody>
+            <a:bodyPr wrap="square" rtlCol="0">
+              <a:spAutoFit/>
+            </a:bodyPr>
+            <a:lstStyle/>
+            <a:p>
+              <a:r>
+                <a:rPr lang="en-US" sz="2800" dirty="0">
+                  <a:latin typeface="Avenir Roman" panose="02000503020000020003" pitchFamily="2" charset="0"/>
+                </a:rPr>
+                <a:t>Get to know and trust the data</a:t>
+              </a:r>
+            </a:p>
+            <a:p>
+              <a:pPr marL="285750" indent="-285750">
+                <a:buFont typeface="Arial" panose="020B0604020202020204" pitchFamily="34" charset="0"/>
+                <a:buChar char="•"/>
+              </a:pPr>
+              <a:r>
+                <a:rPr lang="en-US" sz="1600" dirty="0">
+                  <a:solidFill>
+                    <a:schemeClr val="bg1">
+                      <a:lumMod val="85000"/>
+                    </a:schemeClr>
+                  </a:solidFill>
+                  <a:latin typeface="Avenir Roman" panose="02000503020000020003" pitchFamily="2" charset="0"/>
+                </a:rPr>
+                <a:t>Calibrate your intuition </a:t>
+              </a:r>
+            </a:p>
+            <a:p>
+              <a:pPr marL="742950" lvl="1" indent="-285750">
+                <a:buFont typeface="Arial" panose="020B0604020202020204" pitchFamily="34" charset="0"/>
+                <a:buChar char="•"/>
+              </a:pPr>
+              <a:r>
+                <a:rPr lang="en-US" sz="1600" dirty="0">
+                  <a:solidFill>
+                    <a:schemeClr val="bg1">
+                      <a:lumMod val="85000"/>
+                    </a:schemeClr>
+                  </a:solidFill>
+                  <a:latin typeface="Avenir Roman" panose="02000503020000020003" pitchFamily="2" charset="0"/>
+                </a:rPr>
+                <a:t>Descriptive statistics</a:t>
+              </a:r>
+            </a:p>
+            <a:p>
+              <a:pPr marL="742950" lvl="1" indent="-285750">
+                <a:buFont typeface="Arial" panose="020B0604020202020204" pitchFamily="34" charset="0"/>
+                <a:buChar char="•"/>
+              </a:pPr>
+              <a:r>
+                <a:rPr lang="en-US" sz="1600" dirty="0">
+                  <a:solidFill>
+                    <a:schemeClr val="bg1">
+                      <a:lumMod val="85000"/>
+                    </a:schemeClr>
+                  </a:solidFill>
+                  <a:latin typeface="Avenir Roman" panose="02000503020000020003" pitchFamily="2" charset="0"/>
+                </a:rPr>
+                <a:t>Preliminary visualization of relationships</a:t>
+              </a:r>
+            </a:p>
+            <a:p>
+              <a:pPr marL="742950" lvl="1" indent="-285750">
+                <a:buFont typeface="Arial" panose="020B0604020202020204" pitchFamily="34" charset="0"/>
+                <a:buChar char="•"/>
+              </a:pPr>
+              <a:r>
+                <a:rPr lang="en-US" sz="1600" dirty="0">
+                  <a:solidFill>
+                    <a:schemeClr val="bg1">
+                      <a:lumMod val="85000"/>
+                    </a:schemeClr>
+                  </a:solidFill>
+                  <a:latin typeface="Avenir Roman" panose="02000503020000020003" pitchFamily="2" charset="0"/>
+                </a:rPr>
+                <a:t>Identify funky, unexpected features of the data</a:t>
+              </a:r>
+            </a:p>
+            <a:p>
+              <a:pPr marL="742950" lvl="1" indent="-285750">
+                <a:buFont typeface="Arial" panose="020B0604020202020204" pitchFamily="34" charset="0"/>
+                <a:buChar char="•"/>
+              </a:pPr>
+              <a:r>
+                <a:rPr lang="en-US" sz="1600" dirty="0">
+                  <a:solidFill>
+                    <a:schemeClr val="bg1">
+                      <a:lumMod val="85000"/>
+                    </a:schemeClr>
+                  </a:solidFill>
+                  <a:latin typeface="Avenir Roman" panose="02000503020000020003" pitchFamily="2" charset="0"/>
+                </a:rPr>
+                <a:t>Generate additional sub-questions</a:t>
+              </a:r>
+            </a:p>
+            <a:p>
+              <a:pPr marL="285750" indent="-285750">
+                <a:buFont typeface="Arial" panose="020B0604020202020204" pitchFamily="34" charset="0"/>
+                <a:buChar char="•"/>
+              </a:pPr>
+              <a:r>
+                <a:rPr lang="en-US" sz="1600" dirty="0">
+                  <a:solidFill>
+                    <a:schemeClr val="bg1">
+                      <a:lumMod val="85000"/>
+                    </a:schemeClr>
+                  </a:solidFill>
+                  <a:latin typeface="Avenir Roman" panose="02000503020000020003" pitchFamily="2" charset="0"/>
+                </a:rPr>
+                <a:t>Pre-processing </a:t>
+              </a:r>
+            </a:p>
+            <a:p>
+              <a:pPr marL="742950" lvl="1" indent="-285750">
+                <a:buFont typeface="Arial" panose="020B0604020202020204" pitchFamily="34" charset="0"/>
+                <a:buChar char="•"/>
+              </a:pPr>
+              <a:r>
+                <a:rPr lang="en-US" sz="2000" dirty="0">
+                  <a:solidFill>
+                    <a:srgbClr val="008080"/>
+                  </a:solidFill>
+                  <a:latin typeface="Avenir Roman" panose="02000503020000020003" pitchFamily="2" charset="0"/>
+                </a:rPr>
+                <a:t>Variable transformation</a:t>
+              </a:r>
+            </a:p>
+            <a:p>
+              <a:pPr marL="742950" lvl="1" indent="-285750">
+                <a:buFont typeface="Arial" panose="020B0604020202020204" pitchFamily="34" charset="0"/>
+                <a:buChar char="•"/>
+              </a:pPr>
+              <a:r>
+                <a:rPr lang="en-US" sz="1600" dirty="0">
+                  <a:solidFill>
+                    <a:schemeClr val="bg1">
+                      <a:lumMod val="85000"/>
+                    </a:schemeClr>
+                  </a:solidFill>
+                  <a:latin typeface="Avenir Roman" panose="02000503020000020003" pitchFamily="2" charset="0"/>
+                </a:rPr>
+                <a:t>Normalization</a:t>
+              </a:r>
+            </a:p>
+            <a:p>
+              <a:pPr marL="742950" lvl="1" indent="-285750">
+                <a:buFont typeface="Arial" panose="020B0604020202020204" pitchFamily="34" charset="0"/>
+                <a:buChar char="•"/>
+              </a:pPr>
+              <a:r>
+                <a:rPr lang="en-US" sz="1600" dirty="0">
+                  <a:solidFill>
+                    <a:schemeClr val="bg1">
+                      <a:lumMod val="85000"/>
+                    </a:schemeClr>
+                  </a:solidFill>
+                  <a:latin typeface="Avenir Roman" panose="02000503020000020003" pitchFamily="2" charset="0"/>
+                </a:rPr>
+                <a:t>Merge with other datasets</a:t>
+              </a:r>
+            </a:p>
+            <a:p>
+              <a:pPr marL="285750" indent="-285750">
+                <a:buFont typeface="Arial" panose="020B0604020202020204" pitchFamily="34" charset="0"/>
+                <a:buChar char="•"/>
+              </a:pPr>
+              <a:r>
+                <a:rPr lang="en-US" sz="1600" dirty="0">
+                  <a:solidFill>
+                    <a:schemeClr val="bg1">
+                      <a:lumMod val="85000"/>
+                    </a:schemeClr>
+                  </a:solidFill>
+                  <a:latin typeface="Avenir Roman" panose="02000503020000020003" pitchFamily="2" charset="0"/>
+                </a:rPr>
+                <a:t>Identify and apply appropriate quality control measures</a:t>
+              </a:r>
+            </a:p>
+            <a:p>
+              <a:pPr marL="285750" indent="-285750">
+                <a:buFont typeface="Arial" panose="020B0604020202020204" pitchFamily="34" charset="0"/>
+                <a:buChar char="•"/>
+              </a:pPr>
+              <a:endParaRPr lang="en-US" sz="1600" dirty="0">
+                <a:solidFill>
+                  <a:schemeClr val="bg1">
+                    <a:lumMod val="75000"/>
+                  </a:schemeClr>
+                </a:solidFill>
+                <a:latin typeface="Avenir Roman" panose="02000503020000020003" pitchFamily="2" charset="0"/>
+              </a:endParaRPr>
+            </a:p>
+            <a:p>
+              <a:pPr marL="742950" lvl="1" indent="-285750">
+                <a:buFont typeface="Arial" panose="020B0604020202020204" pitchFamily="34" charset="0"/>
+                <a:buChar char="•"/>
+              </a:pPr>
+              <a:endParaRPr lang="en-US" sz="1600" dirty="0">
+                <a:latin typeface="Avenir Roman" panose="02000503020000020003" pitchFamily="2" charset="0"/>
+              </a:endParaRPr>
+            </a:p>
+            <a:p>
+              <a:pPr marL="742950" lvl="1" indent="-285750">
+                <a:buFont typeface="Arial" panose="020B0604020202020204" pitchFamily="34" charset="0"/>
+                <a:buChar char="•"/>
+              </a:pPr>
+              <a:endParaRPr lang="en-US" sz="1600" dirty="0">
+                <a:latin typeface="Avenir Roman" panose="02000503020000020003" pitchFamily="2" charset="0"/>
+              </a:endParaRPr>
+            </a:p>
+          </p:txBody>
+        </p:sp>
+        <p:sp>
+          <p:nvSpPr>
+            <p:cNvPr id="4" name="TextBox 3">
+              <a:extLst>
+                <a:ext uri="{FF2B5EF4-FFF2-40B4-BE49-F238E27FC236}">
+                  <a16:creationId xmlns:a16="http://schemas.microsoft.com/office/drawing/2014/main" id="{6585543B-ECCA-E547-B0A1-8155199D9CD4}"/>
+                </a:ext>
+              </a:extLst>
+            </p:cNvPr>
+            <p:cNvSpPr txBox="1"/>
+            <p:nvPr/>
+          </p:nvSpPr>
+          <p:spPr>
+            <a:xfrm>
+              <a:off x="9239691" y="1020725"/>
+              <a:ext cx="2413588" cy="5447645"/>
+            </a:xfrm>
+            <a:prstGeom prst="rect">
+              <a:avLst/>
+            </a:prstGeom>
+            <a:noFill/>
+          </p:spPr>
+          <p:txBody>
+            <a:bodyPr wrap="square" rtlCol="0">
+              <a:spAutoFit/>
+            </a:bodyPr>
+            <a:lstStyle/>
+            <a:p>
+              <a:r>
+                <a:rPr lang="en-US" sz="2800" dirty="0">
+                  <a:latin typeface="Avenir Roman" panose="02000503020000020003" pitchFamily="2" charset="0"/>
+                </a:rPr>
+                <a:t>Contextualize inference</a:t>
+              </a:r>
+            </a:p>
+            <a:p>
+              <a:pPr marL="285750" indent="-285750">
+                <a:buFont typeface="Arial" panose="020B0604020202020204" pitchFamily="34" charset="0"/>
+                <a:buChar char="•"/>
+              </a:pPr>
+              <a:r>
+                <a:rPr lang="en-US" sz="1600" dirty="0">
+                  <a:solidFill>
+                    <a:schemeClr val="bg1">
+                      <a:lumMod val="85000"/>
+                    </a:schemeClr>
+                  </a:solidFill>
+                  <a:latin typeface="Avenir Roman" panose="02000503020000020003" pitchFamily="2" charset="0"/>
+                </a:rPr>
+                <a:t>What is the story that your results tell?</a:t>
+              </a:r>
+            </a:p>
+            <a:p>
+              <a:pPr marL="285750" indent="-285750">
+                <a:buFont typeface="Arial" panose="020B0604020202020204" pitchFamily="34" charset="0"/>
+                <a:buChar char="•"/>
+              </a:pPr>
+              <a:r>
+                <a:rPr lang="en-US" sz="1600" dirty="0">
+                  <a:solidFill>
+                    <a:schemeClr val="bg1">
+                      <a:lumMod val="85000"/>
+                    </a:schemeClr>
+                  </a:solidFill>
+                  <a:latin typeface="Avenir Roman" panose="02000503020000020003" pitchFamily="2" charset="0"/>
+                </a:rPr>
+                <a:t>How does that story fit in to what is known?</a:t>
+              </a:r>
+            </a:p>
+            <a:p>
+              <a:pPr marL="285750" indent="-285750">
+                <a:buFont typeface="Arial" panose="020B0604020202020204" pitchFamily="34" charset="0"/>
+                <a:buChar char="•"/>
+              </a:pPr>
+              <a:r>
+                <a:rPr lang="en-US" sz="1600" dirty="0">
+                  <a:solidFill>
+                    <a:schemeClr val="bg1">
+                      <a:lumMod val="85000"/>
+                    </a:schemeClr>
+                  </a:solidFill>
+                  <a:latin typeface="Avenir Roman" panose="02000503020000020003" pitchFamily="2" charset="0"/>
+                </a:rPr>
+                <a:t>How do the sources of bias impact the inference that you can make?</a:t>
+              </a:r>
+            </a:p>
+            <a:p>
+              <a:pPr marL="285750" indent="-285750">
+                <a:buFont typeface="Arial" panose="020B0604020202020204" pitchFamily="34" charset="0"/>
+                <a:buChar char="•"/>
+              </a:pPr>
+              <a:r>
+                <a:rPr lang="en-US" sz="1600" dirty="0">
+                  <a:solidFill>
+                    <a:schemeClr val="bg1">
+                      <a:lumMod val="85000"/>
+                    </a:schemeClr>
+                  </a:solidFill>
+                  <a:latin typeface="Avenir Roman" panose="02000503020000020003" pitchFamily="2" charset="0"/>
+                </a:rPr>
+                <a:t>How far can you safely generalize?</a:t>
+              </a:r>
+            </a:p>
+            <a:p>
+              <a:pPr marL="285750" indent="-285750">
+                <a:buFont typeface="Arial" panose="020B0604020202020204" pitchFamily="34" charset="0"/>
+                <a:buChar char="•"/>
+              </a:pPr>
+              <a:r>
+                <a:rPr lang="en-US" sz="1600" dirty="0">
+                  <a:solidFill>
+                    <a:schemeClr val="bg1">
+                      <a:lumMod val="85000"/>
+                    </a:schemeClr>
+                  </a:solidFill>
+                  <a:latin typeface="Avenir Roman" panose="02000503020000020003" pitchFamily="2" charset="0"/>
+                </a:rPr>
+                <a:t>How may others misinterpret your results and how can you safeguard against that?</a:t>
+              </a:r>
+            </a:p>
+            <a:p>
+              <a:pPr marL="285750" indent="-285750">
+                <a:buFont typeface="Arial" panose="020B0604020202020204" pitchFamily="34" charset="0"/>
+                <a:buChar char="•"/>
+              </a:pPr>
+              <a:endParaRPr lang="en-US" sz="1600" dirty="0">
+                <a:latin typeface="Avenir Roman" panose="02000503020000020003" pitchFamily="2" charset="0"/>
+              </a:endParaRPr>
+            </a:p>
+            <a:p>
+              <a:endParaRPr lang="en-US" sz="1600" dirty="0">
+                <a:latin typeface="Avenir Roman" panose="02000503020000020003" pitchFamily="2" charset="0"/>
+              </a:endParaRPr>
+            </a:p>
+          </p:txBody>
+        </p:sp>
+        <p:sp>
+          <p:nvSpPr>
+            <p:cNvPr id="5" name="TextBox 4">
+              <a:extLst>
+                <a:ext uri="{FF2B5EF4-FFF2-40B4-BE49-F238E27FC236}">
+                  <a16:creationId xmlns:a16="http://schemas.microsoft.com/office/drawing/2014/main" id="{BFEECD9E-D047-3748-9C1E-DBF5E74EE6C7}"/>
+                </a:ext>
+              </a:extLst>
+            </p:cNvPr>
+            <p:cNvSpPr txBox="1"/>
+            <p:nvPr/>
+          </p:nvSpPr>
+          <p:spPr>
+            <a:xfrm>
+              <a:off x="6778251" y="1020725"/>
+              <a:ext cx="2505739" cy="3170099"/>
+            </a:xfrm>
+            <a:prstGeom prst="rect">
+              <a:avLst/>
+            </a:prstGeom>
+            <a:noFill/>
+          </p:spPr>
+          <p:txBody>
+            <a:bodyPr wrap="square" rtlCol="0">
+              <a:spAutoFit/>
+            </a:bodyPr>
+            <a:lstStyle/>
+            <a:p>
+              <a:r>
+                <a:rPr lang="en-US" sz="2800" dirty="0">
+                  <a:latin typeface="Avenir Roman" panose="02000503020000020003" pitchFamily="2" charset="0"/>
+                </a:rPr>
+                <a:t>Generate results</a:t>
+              </a:r>
+            </a:p>
+            <a:p>
+              <a:pPr marL="285750" indent="-285750">
+                <a:buFont typeface="Arial" panose="020B0604020202020204" pitchFamily="34" charset="0"/>
+                <a:buChar char="•"/>
+              </a:pPr>
+              <a:r>
+                <a:rPr lang="en-US" sz="1600" dirty="0">
+                  <a:solidFill>
+                    <a:schemeClr val="bg1">
+                      <a:lumMod val="85000"/>
+                    </a:schemeClr>
+                  </a:solidFill>
+                  <a:latin typeface="Avenir Roman" panose="02000503020000020003" pitchFamily="2" charset="0"/>
+                </a:rPr>
+                <a:t>Inferential statistics</a:t>
+              </a:r>
+            </a:p>
+            <a:p>
+              <a:pPr marL="285750" indent="-285750">
+                <a:buFont typeface="Arial" panose="020B0604020202020204" pitchFamily="34" charset="0"/>
+                <a:buChar char="•"/>
+              </a:pPr>
+              <a:r>
+                <a:rPr lang="en-US" sz="1600" dirty="0">
+                  <a:solidFill>
+                    <a:schemeClr val="bg1">
+                      <a:lumMod val="85000"/>
+                    </a:schemeClr>
+                  </a:solidFill>
+                  <a:latin typeface="Avenir Roman" panose="02000503020000020003" pitchFamily="2" charset="0"/>
+                </a:rPr>
+                <a:t>Modeling (statistical, computational or mathematical)</a:t>
+              </a:r>
+            </a:p>
+            <a:p>
+              <a:pPr marL="285750" indent="-285750">
+                <a:buFont typeface="Arial" panose="020B0604020202020204" pitchFamily="34" charset="0"/>
+                <a:buChar char="•"/>
+              </a:pPr>
+              <a:r>
+                <a:rPr lang="en-US" sz="1600" dirty="0">
+                  <a:solidFill>
+                    <a:schemeClr val="bg1">
+                      <a:lumMod val="85000"/>
+                    </a:schemeClr>
+                  </a:solidFill>
+                  <a:latin typeface="Avenir Roman" panose="02000503020000020003" pitchFamily="2" charset="0"/>
+                </a:rPr>
+                <a:t>Verify that you are not violating key assumptions</a:t>
+              </a:r>
+            </a:p>
+            <a:p>
+              <a:pPr marL="285750" indent="-285750">
+                <a:buFont typeface="Arial" panose="020B0604020202020204" pitchFamily="34" charset="0"/>
+                <a:buChar char="•"/>
+              </a:pPr>
+              <a:endParaRPr lang="en-US" sz="1600" dirty="0">
+                <a:solidFill>
+                  <a:schemeClr val="bg1">
+                    <a:lumMod val="75000"/>
+                  </a:schemeClr>
+                </a:solidFill>
+                <a:latin typeface="Avenir Roman" panose="02000503020000020003" pitchFamily="2" charset="0"/>
+              </a:endParaRPr>
+            </a:p>
+            <a:p>
+              <a:endParaRPr lang="en-US" sz="1600" dirty="0">
+                <a:latin typeface="Avenir Roman" panose="02000503020000020003" pitchFamily="2" charset="0"/>
+              </a:endParaRPr>
+            </a:p>
+          </p:txBody>
+        </p:sp>
+        <p:cxnSp>
+          <p:nvCxnSpPr>
+            <p:cNvPr id="6" name="Straight Arrow Connector 5">
+              <a:extLst>
+                <a:ext uri="{FF2B5EF4-FFF2-40B4-BE49-F238E27FC236}">
+                  <a16:creationId xmlns:a16="http://schemas.microsoft.com/office/drawing/2014/main" id="{2949FEC9-5EFE-9049-88A4-37184B8934EE}"/>
+                </a:ext>
+              </a:extLst>
+            </p:cNvPr>
+            <p:cNvCxnSpPr>
+              <a:cxnSpLocks/>
+            </p:cNvCxnSpPr>
+            <p:nvPr/>
+          </p:nvCxnSpPr>
+          <p:spPr>
+            <a:xfrm>
+              <a:off x="1974996" y="1275132"/>
+              <a:ext cx="982625" cy="0"/>
+            </a:xfrm>
+            <a:prstGeom prst="straightConnector1">
+              <a:avLst/>
+            </a:prstGeom>
+            <a:ln w="38100">
+              <a:solidFill>
+                <a:srgbClr val="008080"/>
+              </a:solidFill>
+              <a:tailEnd type="triangle"/>
+            </a:ln>
+          </p:spPr>
+          <p:style>
+            <a:lnRef idx="1">
+              <a:schemeClr val="accent1"/>
+            </a:lnRef>
+            <a:fillRef idx="0">
+              <a:schemeClr val="accent1"/>
+            </a:fillRef>
+            <a:effectRef idx="0">
+              <a:schemeClr val="accent1"/>
+            </a:effectRef>
+            <a:fontRef idx="minor">
+              <a:schemeClr val="tx1"/>
+            </a:fontRef>
+          </p:style>
+        </p:cxnSp>
+        <p:cxnSp>
+          <p:nvCxnSpPr>
+            <p:cNvPr id="7" name="Straight Arrow Connector 6">
+              <a:extLst>
+                <a:ext uri="{FF2B5EF4-FFF2-40B4-BE49-F238E27FC236}">
+                  <a16:creationId xmlns:a16="http://schemas.microsoft.com/office/drawing/2014/main" id="{571FFA94-9BCD-8744-AD99-EF20F5E114F2}"/>
+                </a:ext>
+              </a:extLst>
+            </p:cNvPr>
+            <p:cNvCxnSpPr>
+              <a:cxnSpLocks/>
+            </p:cNvCxnSpPr>
+            <p:nvPr/>
+          </p:nvCxnSpPr>
+          <p:spPr>
+            <a:xfrm>
+              <a:off x="8615034" y="1275132"/>
+              <a:ext cx="624657" cy="0"/>
+            </a:xfrm>
+            <a:prstGeom prst="straightConnector1">
+              <a:avLst/>
+            </a:prstGeom>
+            <a:ln w="38100">
+              <a:solidFill>
+                <a:srgbClr val="008080"/>
+              </a:solidFill>
+              <a:tailEnd type="triangle"/>
+            </a:ln>
+          </p:spPr>
+          <p:style>
+            <a:lnRef idx="1">
+              <a:schemeClr val="accent1"/>
+            </a:lnRef>
+            <a:fillRef idx="0">
+              <a:schemeClr val="accent1"/>
+            </a:fillRef>
+            <a:effectRef idx="0">
+              <a:schemeClr val="accent1"/>
+            </a:effectRef>
+            <a:fontRef idx="minor">
+              <a:schemeClr val="tx1"/>
+            </a:fontRef>
+          </p:style>
+        </p:cxnSp>
+        <p:cxnSp>
+          <p:nvCxnSpPr>
+            <p:cNvPr id="8" name="Straight Arrow Connector 7">
+              <a:extLst>
+                <a:ext uri="{FF2B5EF4-FFF2-40B4-BE49-F238E27FC236}">
+                  <a16:creationId xmlns:a16="http://schemas.microsoft.com/office/drawing/2014/main" id="{B2091A4C-D782-7944-A4FB-08864CA0B19A}"/>
+                </a:ext>
+              </a:extLst>
+            </p:cNvPr>
+            <p:cNvCxnSpPr>
+              <a:cxnSpLocks/>
+            </p:cNvCxnSpPr>
+            <p:nvPr/>
+          </p:nvCxnSpPr>
+          <p:spPr>
+            <a:xfrm>
+              <a:off x="6286938" y="1272807"/>
+              <a:ext cx="491313" cy="0"/>
+            </a:xfrm>
+            <a:prstGeom prst="straightConnector1">
+              <a:avLst/>
+            </a:prstGeom>
+            <a:ln w="38100">
+              <a:solidFill>
+                <a:srgbClr val="008080"/>
+              </a:solidFill>
+              <a:tailEnd type="triangle"/>
+            </a:ln>
+          </p:spPr>
+          <p:style>
+            <a:lnRef idx="1">
+              <a:schemeClr val="accent1"/>
+            </a:lnRef>
+            <a:fillRef idx="0">
+              <a:schemeClr val="accent1"/>
+            </a:fillRef>
+            <a:effectRef idx="0">
+              <a:schemeClr val="accent1"/>
+            </a:effectRef>
+            <a:fontRef idx="minor">
+              <a:schemeClr val="tx1"/>
+            </a:fontRef>
+          </p:style>
+        </p:cxnSp>
+      </p:grpSp>
+    </p:spTree>
+    <p:extLst>
+      <p:ext uri="{BB962C8B-B14F-4D97-AF65-F5344CB8AC3E}">
+        <p14:creationId xmlns:p14="http://schemas.microsoft.com/office/powerpoint/2010/main" val="896176886"/>
       </p:ext>
     </p:extLst>
   </p:cSld>
